--- a/unbalance/images/表紙.pptx
+++ b/unbalance/images/表紙.pptx
@@ -6,6 +6,7 @@
   </p:sldMasterIdLst>
   <p:sldIdLst>
     <p:sldId id="256" r:id="rId2"/>
+    <p:sldId id="257" r:id="rId3"/>
   </p:sldIdLst>
   <p:sldSz cx="5376863" cy="7169150" type="B5ISO"/>
   <p:notesSz cx="6858000" cy="9144000"/>
@@ -104,6 +105,11 @@
       </a:defRPr>
     </a:lvl9pPr>
   </p:defaultTextStyle>
+  <p:extLst>
+    <p:ext uri="{EFAFB233-063F-42B5-8137-9DF3F51BA10A}">
+      <p15:sldGuideLst xmlns:p15="http://schemas.microsoft.com/office/powerpoint/2012/main"/>
+    </p:ext>
+  </p:extLst>
 </p:presentation>
 </file>
 
@@ -238,7 +244,7 @@
           <a:p>
             <a:fld id="{1F3A0A64-1FAF-4717-9DD7-3EE2EC3EB439}" type="datetimeFigureOut">
               <a:rPr kumimoji="1" lang="ja-JP" altLang="en-US" smtClean="0"/>
-              <a:t>2020/2/13</a:t>
+              <a:t>2020/2/16</a:t>
             </a:fld>
             <a:endParaRPr kumimoji="1" lang="ja-JP" altLang="en-US"/>
           </a:p>
@@ -440,7 +446,7 @@
           <a:p>
             <a:fld id="{1F3A0A64-1FAF-4717-9DD7-3EE2EC3EB439}" type="datetimeFigureOut">
               <a:rPr kumimoji="1" lang="ja-JP" altLang="en-US" smtClean="0"/>
-              <a:t>2020/2/13</a:t>
+              <a:t>2020/2/16</a:t>
             </a:fld>
             <a:endParaRPr kumimoji="1" lang="ja-JP" altLang="en-US"/>
           </a:p>
@@ -652,7 +658,7 @@
           <a:p>
             <a:fld id="{1F3A0A64-1FAF-4717-9DD7-3EE2EC3EB439}" type="datetimeFigureOut">
               <a:rPr kumimoji="1" lang="ja-JP" altLang="en-US" smtClean="0"/>
-              <a:t>2020/2/13</a:t>
+              <a:t>2020/2/16</a:t>
             </a:fld>
             <a:endParaRPr kumimoji="1" lang="ja-JP" altLang="en-US"/>
           </a:p>
@@ -854,7 +860,7 @@
           <a:p>
             <a:fld id="{1F3A0A64-1FAF-4717-9DD7-3EE2EC3EB439}" type="datetimeFigureOut">
               <a:rPr kumimoji="1" lang="ja-JP" altLang="en-US" smtClean="0"/>
-              <a:t>2020/2/13</a:t>
+              <a:t>2020/2/16</a:t>
             </a:fld>
             <a:endParaRPr kumimoji="1" lang="ja-JP" altLang="en-US"/>
           </a:p>
@@ -1098,7 +1104,7 @@
           <a:p>
             <a:fld id="{1F3A0A64-1FAF-4717-9DD7-3EE2EC3EB439}" type="datetimeFigureOut">
               <a:rPr kumimoji="1" lang="ja-JP" altLang="en-US" smtClean="0"/>
-              <a:t>2020/2/13</a:t>
+              <a:t>2020/2/16</a:t>
             </a:fld>
             <a:endParaRPr kumimoji="1" lang="ja-JP" altLang="en-US"/>
           </a:p>
@@ -1394,7 +1400,7 @@
           <a:p>
             <a:fld id="{1F3A0A64-1FAF-4717-9DD7-3EE2EC3EB439}" type="datetimeFigureOut">
               <a:rPr kumimoji="1" lang="ja-JP" altLang="en-US" smtClean="0"/>
-              <a:t>2020/2/13</a:t>
+              <a:t>2020/2/16</a:t>
             </a:fld>
             <a:endParaRPr kumimoji="1" lang="ja-JP" altLang="en-US"/>
           </a:p>
@@ -1825,7 +1831,7 @@
           <a:p>
             <a:fld id="{1F3A0A64-1FAF-4717-9DD7-3EE2EC3EB439}" type="datetimeFigureOut">
               <a:rPr kumimoji="1" lang="ja-JP" altLang="en-US" smtClean="0"/>
-              <a:t>2020/2/13</a:t>
+              <a:t>2020/2/16</a:t>
             </a:fld>
             <a:endParaRPr kumimoji="1" lang="ja-JP" altLang="en-US"/>
           </a:p>
@@ -1943,7 +1949,7 @@
           <a:p>
             <a:fld id="{1F3A0A64-1FAF-4717-9DD7-3EE2EC3EB439}" type="datetimeFigureOut">
               <a:rPr kumimoji="1" lang="ja-JP" altLang="en-US" smtClean="0"/>
-              <a:t>2020/2/13</a:t>
+              <a:t>2020/2/16</a:t>
             </a:fld>
             <a:endParaRPr kumimoji="1" lang="ja-JP" altLang="en-US"/>
           </a:p>
@@ -2038,7 +2044,7 @@
           <a:p>
             <a:fld id="{1F3A0A64-1FAF-4717-9DD7-3EE2EC3EB439}" type="datetimeFigureOut">
               <a:rPr kumimoji="1" lang="ja-JP" altLang="en-US" smtClean="0"/>
-              <a:t>2020/2/13</a:t>
+              <a:t>2020/2/16</a:t>
             </a:fld>
             <a:endParaRPr kumimoji="1" lang="ja-JP" altLang="en-US"/>
           </a:p>
@@ -2347,7 +2353,7 @@
           <a:p>
             <a:fld id="{1F3A0A64-1FAF-4717-9DD7-3EE2EC3EB439}" type="datetimeFigureOut">
               <a:rPr kumimoji="1" lang="ja-JP" altLang="en-US" smtClean="0"/>
-              <a:t>2020/2/13</a:t>
+              <a:t>2020/2/16</a:t>
             </a:fld>
             <a:endParaRPr kumimoji="1" lang="ja-JP" altLang="en-US"/>
           </a:p>
@@ -2604,7 +2610,7 @@
           <a:p>
             <a:fld id="{1F3A0A64-1FAF-4717-9DD7-3EE2EC3EB439}" type="datetimeFigureOut">
               <a:rPr kumimoji="1" lang="ja-JP" altLang="en-US" smtClean="0"/>
-              <a:t>2020/2/13</a:t>
+              <a:t>2020/2/16</a:t>
             </a:fld>
             <a:endParaRPr kumimoji="1" lang="ja-JP" altLang="en-US"/>
           </a:p>
@@ -2849,7 +2855,7 @@
           <a:p>
             <a:fld id="{1F3A0A64-1FAF-4717-9DD7-3EE2EC3EB439}" type="datetimeFigureOut">
               <a:rPr kumimoji="1" lang="ja-JP" altLang="en-US" smtClean="0"/>
-              <a:t>2020/2/13</a:t>
+              <a:t>2020/2/16</a:t>
             </a:fld>
             <a:endParaRPr kumimoji="1" lang="ja-JP" altLang="en-US"/>
           </a:p>
@@ -3320,7 +3326,7 @@
             <a:pPr algn="ctr"/>
             <a:r>
               <a:rPr kumimoji="1" lang="ja-JP" altLang="en-US" sz="2400" dirty="0"/>
-              <a:t>二値分類を読み解くための本</a:t>
+              <a:t>二値分類を読み解く本</a:t>
             </a:r>
             <a:endParaRPr kumimoji="1" lang="en-US" altLang="ja-JP" sz="2400" dirty="0"/>
           </a:p>
@@ -3436,6 +3442,217 @@
     <p:extLst>
       <p:ext uri="{BB962C8B-B14F-4D97-AF65-F5344CB8AC3E}">
         <p14:creationId xmlns:p14="http://schemas.microsoft.com/office/powerpoint/2010/main" val="771281125"/>
+      </p:ext>
+    </p:extLst>
+  </p:cSld>
+  <p:clrMapOvr>
+    <a:masterClrMapping/>
+  </p:clrMapOvr>
+</p:sld>
+</file>
+
+<file path=ppt/slides/slide2.xml><?xml version="1.0" encoding="utf-8"?>
+<p:sld xmlns:a="http://schemas.openxmlformats.org/drawingml/2006/main" xmlns:r="http://schemas.openxmlformats.org/officeDocument/2006/relationships" xmlns:p="http://schemas.openxmlformats.org/presentationml/2006/main">
+  <p:cSld>
+    <p:spTree>
+      <p:nvGrpSpPr>
+        <p:cNvPr id="1" name=""/>
+        <p:cNvGrpSpPr/>
+        <p:nvPr/>
+      </p:nvGrpSpPr>
+      <p:grpSpPr>
+        <a:xfrm>
+          <a:off x="0" y="0"/>
+          <a:ext cx="0" cy="0"/>
+          <a:chOff x="0" y="0"/>
+          <a:chExt cx="0" cy="0"/>
+        </a:xfrm>
+      </p:grpSpPr>
+      <p:sp>
+        <p:nvSpPr>
+          <p:cNvPr id="10" name="テキスト ボックス 9">
+            <a:extLst>
+              <a:ext uri="{FF2B5EF4-FFF2-40B4-BE49-F238E27FC236}">
+                <a16:creationId xmlns:a16="http://schemas.microsoft.com/office/drawing/2014/main" id="{FE7E9E70-518F-489E-AEC0-8F32497DD77B}"/>
+              </a:ext>
+            </a:extLst>
+          </p:cNvPr>
+          <p:cNvSpPr txBox="1"/>
+          <p:nvPr/>
+        </p:nvSpPr>
+        <p:spPr>
+          <a:xfrm>
+            <a:off x="0" y="786400"/>
+            <a:ext cx="5376951" cy="646331"/>
+          </a:xfrm>
+          <a:prstGeom prst="rect">
+            <a:avLst/>
+          </a:prstGeom>
+          <a:noFill/>
+        </p:spPr>
+        <p:txBody>
+          <a:bodyPr wrap="square" rtlCol="0">
+            <a:spAutoFit/>
+          </a:bodyPr>
+          <a:lstStyle/>
+          <a:p>
+            <a:pPr algn="ctr"/>
+            <a:r>
+              <a:rPr kumimoji="1" lang="ja-JP" altLang="en-US" sz="3600" dirty="0"/>
+              <a:t>二値分類を読み解く本</a:t>
+            </a:r>
+            <a:endParaRPr kumimoji="1" lang="en-US" altLang="ja-JP" sz="3600" dirty="0"/>
+          </a:p>
+        </p:txBody>
+      </p:sp>
+      <p:sp>
+        <p:nvSpPr>
+          <p:cNvPr id="20" name="テキスト ボックス 19">
+            <a:extLst>
+              <a:ext uri="{FF2B5EF4-FFF2-40B4-BE49-F238E27FC236}">
+                <a16:creationId xmlns:a16="http://schemas.microsoft.com/office/drawing/2014/main" id="{494319BA-79B9-42C5-B6F4-782A693E1EFF}"/>
+              </a:ext>
+            </a:extLst>
+          </p:cNvPr>
+          <p:cNvSpPr txBox="1"/>
+          <p:nvPr/>
+        </p:nvSpPr>
+        <p:spPr>
+          <a:xfrm>
+            <a:off x="3712463" y="2250214"/>
+            <a:ext cx="1547218" cy="461665"/>
+          </a:xfrm>
+          <a:prstGeom prst="rect">
+            <a:avLst/>
+          </a:prstGeom>
+          <a:noFill/>
+        </p:spPr>
+        <p:txBody>
+          <a:bodyPr wrap="none" rtlCol="0">
+            <a:spAutoFit/>
+          </a:bodyPr>
+          <a:lstStyle/>
+          <a:p>
+            <a:r>
+              <a:rPr kumimoji="1" lang="en-US" altLang="ja-JP" sz="2400" dirty="0">
+                <a:cs typeface="Arial" panose="020B0604020202020204" pitchFamily="34" charset="0"/>
+              </a:rPr>
+              <a:t>Rio114[</a:t>
+            </a:r>
+            <a:r>
+              <a:rPr kumimoji="1" lang="ja-JP" altLang="en-US" sz="2400" dirty="0">
+                <a:cs typeface="Arial" panose="020B0604020202020204" pitchFamily="34" charset="0"/>
+              </a:rPr>
+              <a:t>著</a:t>
+            </a:r>
+            <a:r>
+              <a:rPr kumimoji="1" lang="en-US" altLang="ja-JP" sz="2400" dirty="0">
+                <a:cs typeface="Arial" panose="020B0604020202020204" pitchFamily="34" charset="0"/>
+              </a:rPr>
+              <a:t>]</a:t>
+            </a:r>
+            <a:endParaRPr kumimoji="1" lang="ja-JP" altLang="en-US" sz="2400" dirty="0">
+              <a:cs typeface="Arial" panose="020B0604020202020204" pitchFamily="34" charset="0"/>
+            </a:endParaRPr>
+          </a:p>
+        </p:txBody>
+      </p:sp>
+      <p:sp>
+        <p:nvSpPr>
+          <p:cNvPr id="2" name="テキスト ボックス 1">
+            <a:extLst>
+              <a:ext uri="{FF2B5EF4-FFF2-40B4-BE49-F238E27FC236}">
+                <a16:creationId xmlns:a16="http://schemas.microsoft.com/office/drawing/2014/main" id="{7F65F251-28E2-4A32-A1C9-2EFC4521D80A}"/>
+              </a:ext>
+            </a:extLst>
+          </p:cNvPr>
+          <p:cNvSpPr txBox="1"/>
+          <p:nvPr/>
+        </p:nvSpPr>
+        <p:spPr>
+          <a:xfrm>
+            <a:off x="234451" y="1419217"/>
+            <a:ext cx="4907959" cy="830997"/>
+          </a:xfrm>
+          <a:prstGeom prst="rect">
+            <a:avLst/>
+          </a:prstGeom>
+          <a:noFill/>
+        </p:spPr>
+        <p:txBody>
+          <a:bodyPr wrap="square" rtlCol="0">
+            <a:spAutoFit/>
+          </a:bodyPr>
+          <a:lstStyle/>
+          <a:p>
+            <a:pPr algn="ctr"/>
+            <a:r>
+              <a:rPr kumimoji="1" lang="en-US" altLang="ja-JP" sz="2400" dirty="0"/>
+              <a:t>Recall</a:t>
+            </a:r>
+            <a:r>
+              <a:rPr kumimoji="1" lang="ja-JP" altLang="en-US" sz="2400" dirty="0"/>
+              <a:t>・</a:t>
+            </a:r>
+            <a:r>
+              <a:rPr kumimoji="1" lang="en-US" altLang="ja-JP" sz="2400" dirty="0"/>
+              <a:t>Precision</a:t>
+            </a:r>
+            <a:r>
+              <a:rPr kumimoji="1" lang="ja-JP" altLang="en-US" sz="2400" dirty="0"/>
+              <a:t>の違いから</a:t>
+            </a:r>
+            <a:endParaRPr kumimoji="1" lang="en-US" altLang="ja-JP" sz="2400" dirty="0"/>
+          </a:p>
+          <a:p>
+            <a:pPr algn="ctr"/>
+            <a:r>
+              <a:rPr kumimoji="1" lang="ja-JP" altLang="en-US" sz="2400" dirty="0"/>
+              <a:t>バンディットへの応用まで</a:t>
+            </a:r>
+          </a:p>
+        </p:txBody>
+      </p:sp>
+      <p:pic>
+        <p:nvPicPr>
+          <p:cNvPr id="4" name="図 3" descr="海に泳いでいる&#10;&#10;自動的に生成された説明">
+            <a:extLst>
+              <a:ext uri="{FF2B5EF4-FFF2-40B4-BE49-F238E27FC236}">
+                <a16:creationId xmlns:a16="http://schemas.microsoft.com/office/drawing/2014/main" id="{F8F3945A-DCA3-4658-8F84-3CA6F28A173E}"/>
+              </a:ext>
+            </a:extLst>
+          </p:cNvPr>
+          <p:cNvPicPr>
+            <a:picLocks noChangeAspect="1"/>
+          </p:cNvPicPr>
+          <p:nvPr/>
+        </p:nvPicPr>
+        <p:blipFill>
+          <a:blip r:embed="rId2">
+            <a:extLst>
+              <a:ext uri="{28A0092B-C50C-407E-A947-70E740481C1C}">
+                <a14:useLocalDpi xmlns:a14="http://schemas.microsoft.com/office/drawing/2010/main" val="0"/>
+              </a:ext>
+            </a:extLst>
+          </a:blip>
+          <a:stretch>
+            <a:fillRect/>
+          </a:stretch>
+        </p:blipFill>
+        <p:spPr>
+          <a:xfrm>
+            <a:off x="-2" y="2883031"/>
+            <a:ext cx="5376863" cy="4032647"/>
+          </a:xfrm>
+          <a:prstGeom prst="rect">
+            <a:avLst/>
+          </a:prstGeom>
+        </p:spPr>
+      </p:pic>
+    </p:spTree>
+    <p:extLst>
+      <p:ext uri="{BB962C8B-B14F-4D97-AF65-F5344CB8AC3E}">
+        <p14:creationId xmlns:p14="http://schemas.microsoft.com/office/powerpoint/2010/main" val="1906004052"/>
       </p:ext>
     </p:extLst>
   </p:cSld>

--- a/unbalance/images/表紙.pptx
+++ b/unbalance/images/表紙.pptx
@@ -2,13 +2,12 @@
 <file path=ppt/presentation.xml><?xml version="1.0" encoding="utf-8"?>
 <p:presentation xmlns:a="http://schemas.openxmlformats.org/drawingml/2006/main" xmlns:r="http://schemas.openxmlformats.org/officeDocument/2006/relationships" xmlns:p="http://schemas.openxmlformats.org/presentationml/2006/main" saveSubsetFonts="1">
   <p:sldMasterIdLst>
-    <p:sldMasterId id="2147483660" r:id="rId1"/>
+    <p:sldMasterId id="2147483672" r:id="rId1"/>
   </p:sldMasterIdLst>
   <p:sldIdLst>
-    <p:sldId id="256" r:id="rId2"/>
-    <p:sldId id="257" r:id="rId3"/>
+    <p:sldId id="260" r:id="rId2"/>
   </p:sldIdLst>
-  <p:sldSz cx="5376863" cy="7169150" type="B5ISO"/>
+  <p:sldSz cx="6408738" cy="9072563"/>
   <p:notesSz cx="6858000" cy="9144000"/>
   <p:defaultTextStyle>
     <a:defPPr>
@@ -142,15 +141,15 @@
         </p:nvSpPr>
         <p:spPr>
           <a:xfrm>
-            <a:off x="403265" y="1173285"/>
-            <a:ext cx="4570334" cy="2495926"/>
+            <a:off x="480656" y="1484793"/>
+            <a:ext cx="5447427" cy="3158596"/>
           </a:xfrm>
         </p:spPr>
         <p:txBody>
           <a:bodyPr anchor="b"/>
           <a:lstStyle>
             <a:lvl1pPr algn="ctr">
-              <a:defRPr sz="3528"/>
+              <a:defRPr sz="4205"/>
             </a:lvl1pPr>
           </a:lstStyle>
           <a:p>
@@ -174,8 +173,8 @@
         </p:nvSpPr>
         <p:spPr>
           <a:xfrm>
-            <a:off x="672108" y="3765464"/>
-            <a:ext cx="4032647" cy="1730885"/>
+            <a:off x="801092" y="4765197"/>
+            <a:ext cx="4806554" cy="2190435"/>
           </a:xfrm>
         </p:spPr>
         <p:txBody>
@@ -183,39 +182,39 @@
           <a:lstStyle>
             <a:lvl1pPr marL="0" indent="0" algn="ctr">
               <a:buNone/>
-              <a:defRPr sz="1411"/>
+              <a:defRPr sz="1682"/>
             </a:lvl1pPr>
-            <a:lvl2pPr marL="268834" indent="0" algn="ctr">
-              <a:buNone/>
-              <a:defRPr sz="1176"/>
+            <a:lvl2pPr marL="320451" indent="0" algn="ctr">
+              <a:buNone/>
+              <a:defRPr sz="1402"/>
             </a:lvl2pPr>
-            <a:lvl3pPr marL="537667" indent="0" algn="ctr">
-              <a:buNone/>
-              <a:defRPr sz="1058"/>
+            <a:lvl3pPr marL="640903" indent="0" algn="ctr">
+              <a:buNone/>
+              <a:defRPr sz="1262"/>
             </a:lvl3pPr>
-            <a:lvl4pPr marL="806501" indent="0" algn="ctr">
-              <a:buNone/>
-              <a:defRPr sz="941"/>
+            <a:lvl4pPr marL="961354" indent="0" algn="ctr">
+              <a:buNone/>
+              <a:defRPr sz="1121"/>
             </a:lvl4pPr>
-            <a:lvl5pPr marL="1075334" indent="0" algn="ctr">
-              <a:buNone/>
-              <a:defRPr sz="941"/>
+            <a:lvl5pPr marL="1281806" indent="0" algn="ctr">
+              <a:buNone/>
+              <a:defRPr sz="1121"/>
             </a:lvl5pPr>
-            <a:lvl6pPr marL="1344168" indent="0" algn="ctr">
-              <a:buNone/>
-              <a:defRPr sz="941"/>
+            <a:lvl6pPr marL="1602257" indent="0" algn="ctr">
+              <a:buNone/>
+              <a:defRPr sz="1121"/>
             </a:lvl6pPr>
-            <a:lvl7pPr marL="1613002" indent="0" algn="ctr">
-              <a:buNone/>
-              <a:defRPr sz="941"/>
+            <a:lvl7pPr marL="1922709" indent="0" algn="ctr">
+              <a:buNone/>
+              <a:defRPr sz="1121"/>
             </a:lvl7pPr>
-            <a:lvl8pPr marL="1881835" indent="0" algn="ctr">
-              <a:buNone/>
-              <a:defRPr sz="941"/>
+            <a:lvl8pPr marL="2243160" indent="0" algn="ctr">
+              <a:buNone/>
+              <a:defRPr sz="1121"/>
             </a:lvl8pPr>
-            <a:lvl9pPr marL="2150669" indent="0" algn="ctr">
-              <a:buNone/>
-              <a:defRPr sz="941"/>
+            <a:lvl9pPr marL="2563612" indent="0" algn="ctr">
+              <a:buNone/>
+              <a:defRPr sz="1121"/>
             </a:lvl9pPr>
           </a:lstStyle>
           <a:p>
@@ -295,7 +294,7 @@
     </p:spTree>
     <p:extLst>
       <p:ext uri="{BB962C8B-B14F-4D97-AF65-F5344CB8AC3E}">
-        <p14:creationId xmlns:p14="http://schemas.microsoft.com/office/powerpoint/2010/main" val="2624054529"/>
+        <p14:creationId xmlns:p14="http://schemas.microsoft.com/office/powerpoint/2010/main" val="1313787995"/>
       </p:ext>
     </p:extLst>
   </p:cSld>
@@ -497,7 +496,7 @@
     </p:spTree>
     <p:extLst>
       <p:ext uri="{BB962C8B-B14F-4D97-AF65-F5344CB8AC3E}">
-        <p14:creationId xmlns:p14="http://schemas.microsoft.com/office/powerpoint/2010/main" val="1162154830"/>
+        <p14:creationId xmlns:p14="http://schemas.microsoft.com/office/powerpoint/2010/main" val="1187647709"/>
       </p:ext>
     </p:extLst>
   </p:cSld>
@@ -536,8 +535,8 @@
         </p:nvSpPr>
         <p:spPr>
           <a:xfrm>
-            <a:off x="3847818" y="381691"/>
-            <a:ext cx="1159386" cy="6075523"/>
+            <a:off x="4586254" y="483030"/>
+            <a:ext cx="1381884" cy="7688578"/>
           </a:xfrm>
         </p:spPr>
         <p:txBody>
@@ -564,8 +563,8 @@
         </p:nvSpPr>
         <p:spPr>
           <a:xfrm>
-            <a:off x="369660" y="381691"/>
-            <a:ext cx="3410947" cy="6075523"/>
+            <a:off x="440601" y="483030"/>
+            <a:ext cx="4065543" cy="7688578"/>
           </a:xfrm>
         </p:spPr>
         <p:txBody>
@@ -709,7 +708,7 @@
     </p:spTree>
     <p:extLst>
       <p:ext uri="{BB962C8B-B14F-4D97-AF65-F5344CB8AC3E}">
-        <p14:creationId xmlns:p14="http://schemas.microsoft.com/office/powerpoint/2010/main" val="76949473"/>
+        <p14:creationId xmlns:p14="http://schemas.microsoft.com/office/powerpoint/2010/main" val="3848478493"/>
       </p:ext>
     </p:extLst>
   </p:cSld>
@@ -911,7 +910,7 @@
     </p:spTree>
     <p:extLst>
       <p:ext uri="{BB962C8B-B14F-4D97-AF65-F5344CB8AC3E}">
-        <p14:creationId xmlns:p14="http://schemas.microsoft.com/office/powerpoint/2010/main" val="2079829341"/>
+        <p14:creationId xmlns:p14="http://schemas.microsoft.com/office/powerpoint/2010/main" val="3813421281"/>
       </p:ext>
     </p:extLst>
   </p:cSld>
@@ -950,15 +949,15 @@
         </p:nvSpPr>
         <p:spPr>
           <a:xfrm>
-            <a:off x="366859" y="1787311"/>
-            <a:ext cx="4637544" cy="2982167"/>
+            <a:off x="437263" y="2261843"/>
+            <a:ext cx="5527537" cy="3773934"/>
           </a:xfrm>
         </p:spPr>
         <p:txBody>
           <a:bodyPr anchor="b"/>
           <a:lstStyle>
             <a:lvl1pPr>
-              <a:defRPr sz="3528"/>
+              <a:defRPr sz="4205"/>
             </a:lvl1pPr>
           </a:lstStyle>
           <a:p>
@@ -982,8 +981,8 @@
         </p:nvSpPr>
         <p:spPr>
           <a:xfrm>
-            <a:off x="366859" y="4797690"/>
-            <a:ext cx="4637544" cy="1568251"/>
+            <a:off x="437263" y="6071480"/>
+            <a:ext cx="5527537" cy="1984622"/>
           </a:xfrm>
         </p:spPr>
         <p:txBody>
@@ -991,15 +990,15 @@
           <a:lstStyle>
             <a:lvl1pPr marL="0" indent="0">
               <a:buNone/>
-              <a:defRPr sz="1411">
+              <a:defRPr sz="1682">
                 <a:solidFill>
                   <a:schemeClr val="tx1"/>
                 </a:solidFill>
               </a:defRPr>
             </a:lvl1pPr>
-            <a:lvl2pPr marL="268834" indent="0">
-              <a:buNone/>
-              <a:defRPr sz="1176">
+            <a:lvl2pPr marL="320451" indent="0">
+              <a:buNone/>
+              <a:defRPr sz="1402">
                 <a:solidFill>
                   <a:schemeClr val="tx1">
                     <a:tint val="75000"/>
@@ -1007,9 +1006,9 @@
                 </a:solidFill>
               </a:defRPr>
             </a:lvl2pPr>
-            <a:lvl3pPr marL="537667" indent="0">
-              <a:buNone/>
-              <a:defRPr sz="1058">
+            <a:lvl3pPr marL="640903" indent="0">
+              <a:buNone/>
+              <a:defRPr sz="1262">
                 <a:solidFill>
                   <a:schemeClr val="tx1">
                     <a:tint val="75000"/>
@@ -1017,9 +1016,9 @@
                 </a:solidFill>
               </a:defRPr>
             </a:lvl3pPr>
-            <a:lvl4pPr marL="806501" indent="0">
-              <a:buNone/>
-              <a:defRPr sz="941">
+            <a:lvl4pPr marL="961354" indent="0">
+              <a:buNone/>
+              <a:defRPr sz="1121">
                 <a:solidFill>
                   <a:schemeClr val="tx1">
                     <a:tint val="75000"/>
@@ -1027,9 +1026,9 @@
                 </a:solidFill>
               </a:defRPr>
             </a:lvl4pPr>
-            <a:lvl5pPr marL="1075334" indent="0">
-              <a:buNone/>
-              <a:defRPr sz="941">
+            <a:lvl5pPr marL="1281806" indent="0">
+              <a:buNone/>
+              <a:defRPr sz="1121">
                 <a:solidFill>
                   <a:schemeClr val="tx1">
                     <a:tint val="75000"/>
@@ -1037,9 +1036,9 @@
                 </a:solidFill>
               </a:defRPr>
             </a:lvl5pPr>
-            <a:lvl6pPr marL="1344168" indent="0">
-              <a:buNone/>
-              <a:defRPr sz="941">
+            <a:lvl6pPr marL="1602257" indent="0">
+              <a:buNone/>
+              <a:defRPr sz="1121">
                 <a:solidFill>
                   <a:schemeClr val="tx1">
                     <a:tint val="75000"/>
@@ -1047,9 +1046,9 @@
                 </a:solidFill>
               </a:defRPr>
             </a:lvl6pPr>
-            <a:lvl7pPr marL="1613002" indent="0">
-              <a:buNone/>
-              <a:defRPr sz="941">
+            <a:lvl7pPr marL="1922709" indent="0">
+              <a:buNone/>
+              <a:defRPr sz="1121">
                 <a:solidFill>
                   <a:schemeClr val="tx1">
                     <a:tint val="75000"/>
@@ -1057,9 +1056,9 @@
                 </a:solidFill>
               </a:defRPr>
             </a:lvl7pPr>
-            <a:lvl8pPr marL="1881835" indent="0">
-              <a:buNone/>
-              <a:defRPr sz="941">
+            <a:lvl8pPr marL="2243160" indent="0">
+              <a:buNone/>
+              <a:defRPr sz="1121">
                 <a:solidFill>
                   <a:schemeClr val="tx1">
                     <a:tint val="75000"/>
@@ -1067,9 +1066,9 @@
                 </a:solidFill>
               </a:defRPr>
             </a:lvl8pPr>
-            <a:lvl9pPr marL="2150669" indent="0">
-              <a:buNone/>
-              <a:defRPr sz="941">
+            <a:lvl9pPr marL="2563612" indent="0">
+              <a:buNone/>
+              <a:defRPr sz="1121">
                 <a:solidFill>
                   <a:schemeClr val="tx1">
                     <a:tint val="75000"/>
@@ -1155,7 +1154,7 @@
     </p:spTree>
     <p:extLst>
       <p:ext uri="{BB962C8B-B14F-4D97-AF65-F5344CB8AC3E}">
-        <p14:creationId xmlns:p14="http://schemas.microsoft.com/office/powerpoint/2010/main" val="3929523310"/>
+        <p14:creationId xmlns:p14="http://schemas.microsoft.com/office/powerpoint/2010/main" val="1254826534"/>
       </p:ext>
     </p:extLst>
   </p:cSld>
@@ -1217,8 +1216,8 @@
         </p:nvSpPr>
         <p:spPr>
           <a:xfrm>
-            <a:off x="369659" y="1908454"/>
-            <a:ext cx="2285167" cy="4548760"/>
+            <a:off x="440601" y="2415150"/>
+            <a:ext cx="2723714" cy="5756458"/>
           </a:xfrm>
         </p:spPr>
         <p:txBody>
@@ -1306,8 +1305,8 @@
         </p:nvSpPr>
         <p:spPr>
           <a:xfrm>
-            <a:off x="2722037" y="1908454"/>
-            <a:ext cx="2285167" cy="4548760"/>
+            <a:off x="3244423" y="2415150"/>
+            <a:ext cx="2723714" cy="5756458"/>
           </a:xfrm>
         </p:spPr>
         <p:txBody>
@@ -1451,7 +1450,7 @@
     </p:spTree>
     <p:extLst>
       <p:ext uri="{BB962C8B-B14F-4D97-AF65-F5344CB8AC3E}">
-        <p14:creationId xmlns:p14="http://schemas.microsoft.com/office/powerpoint/2010/main" val="4062755802"/>
+        <p14:creationId xmlns:p14="http://schemas.microsoft.com/office/powerpoint/2010/main" val="3759225106"/>
       </p:ext>
     </p:extLst>
   </p:cSld>
@@ -1490,8 +1489,8 @@
         </p:nvSpPr>
         <p:spPr>
           <a:xfrm>
-            <a:off x="370360" y="381693"/>
-            <a:ext cx="4637544" cy="1385704"/>
+            <a:off x="441435" y="483032"/>
+            <a:ext cx="5527537" cy="1753609"/>
           </a:xfrm>
         </p:spPr>
         <p:txBody>
@@ -1518,8 +1517,8 @@
         </p:nvSpPr>
         <p:spPr>
           <a:xfrm>
-            <a:off x="370360" y="1757438"/>
-            <a:ext cx="2274665" cy="861293"/>
+            <a:off x="441436" y="2224039"/>
+            <a:ext cx="2711196" cy="1089967"/>
           </a:xfrm>
         </p:spPr>
         <p:txBody>
@@ -1527,39 +1526,39 @@
           <a:lstStyle>
             <a:lvl1pPr marL="0" indent="0">
               <a:buNone/>
-              <a:defRPr sz="1411" b="1"/>
+              <a:defRPr sz="1682" b="1"/>
             </a:lvl1pPr>
-            <a:lvl2pPr marL="268834" indent="0">
-              <a:buNone/>
-              <a:defRPr sz="1176" b="1"/>
+            <a:lvl2pPr marL="320451" indent="0">
+              <a:buNone/>
+              <a:defRPr sz="1402" b="1"/>
             </a:lvl2pPr>
-            <a:lvl3pPr marL="537667" indent="0">
-              <a:buNone/>
-              <a:defRPr sz="1058" b="1"/>
+            <a:lvl3pPr marL="640903" indent="0">
+              <a:buNone/>
+              <a:defRPr sz="1262" b="1"/>
             </a:lvl3pPr>
-            <a:lvl4pPr marL="806501" indent="0">
-              <a:buNone/>
-              <a:defRPr sz="941" b="1"/>
+            <a:lvl4pPr marL="961354" indent="0">
+              <a:buNone/>
+              <a:defRPr sz="1121" b="1"/>
             </a:lvl4pPr>
-            <a:lvl5pPr marL="1075334" indent="0">
-              <a:buNone/>
-              <a:defRPr sz="941" b="1"/>
+            <a:lvl5pPr marL="1281806" indent="0">
+              <a:buNone/>
+              <a:defRPr sz="1121" b="1"/>
             </a:lvl5pPr>
-            <a:lvl6pPr marL="1344168" indent="0">
-              <a:buNone/>
-              <a:defRPr sz="941" b="1"/>
+            <a:lvl6pPr marL="1602257" indent="0">
+              <a:buNone/>
+              <a:defRPr sz="1121" b="1"/>
             </a:lvl6pPr>
-            <a:lvl7pPr marL="1613002" indent="0">
-              <a:buNone/>
-              <a:defRPr sz="941" b="1"/>
+            <a:lvl7pPr marL="1922709" indent="0">
+              <a:buNone/>
+              <a:defRPr sz="1121" b="1"/>
             </a:lvl7pPr>
-            <a:lvl8pPr marL="1881835" indent="0">
-              <a:buNone/>
-              <a:defRPr sz="941" b="1"/>
+            <a:lvl8pPr marL="2243160" indent="0">
+              <a:buNone/>
+              <a:defRPr sz="1121" b="1"/>
             </a:lvl8pPr>
-            <a:lvl9pPr marL="2150669" indent="0">
-              <a:buNone/>
-              <a:defRPr sz="941" b="1"/>
+            <a:lvl9pPr marL="2563612" indent="0">
+              <a:buNone/>
+              <a:defRPr sz="1121" b="1"/>
             </a:lvl9pPr>
           </a:lstStyle>
           <a:p>
@@ -1583,8 +1582,8 @@
         </p:nvSpPr>
         <p:spPr>
           <a:xfrm>
-            <a:off x="370360" y="2618731"/>
-            <a:ext cx="2274665" cy="3851759"/>
+            <a:off x="441436" y="3314006"/>
+            <a:ext cx="2711196" cy="4874403"/>
           </a:xfrm>
         </p:spPr>
         <p:txBody>
@@ -1672,8 +1671,8 @@
         </p:nvSpPr>
         <p:spPr>
           <a:xfrm>
-            <a:off x="2722037" y="1757438"/>
-            <a:ext cx="2285867" cy="861293"/>
+            <a:off x="3244424" y="2224039"/>
+            <a:ext cx="2724548" cy="1089967"/>
           </a:xfrm>
         </p:spPr>
         <p:txBody>
@@ -1681,39 +1680,39 @@
           <a:lstStyle>
             <a:lvl1pPr marL="0" indent="0">
               <a:buNone/>
-              <a:defRPr sz="1411" b="1"/>
+              <a:defRPr sz="1682" b="1"/>
             </a:lvl1pPr>
-            <a:lvl2pPr marL="268834" indent="0">
-              <a:buNone/>
-              <a:defRPr sz="1176" b="1"/>
+            <a:lvl2pPr marL="320451" indent="0">
+              <a:buNone/>
+              <a:defRPr sz="1402" b="1"/>
             </a:lvl2pPr>
-            <a:lvl3pPr marL="537667" indent="0">
-              <a:buNone/>
-              <a:defRPr sz="1058" b="1"/>
+            <a:lvl3pPr marL="640903" indent="0">
+              <a:buNone/>
+              <a:defRPr sz="1262" b="1"/>
             </a:lvl3pPr>
-            <a:lvl4pPr marL="806501" indent="0">
-              <a:buNone/>
-              <a:defRPr sz="941" b="1"/>
+            <a:lvl4pPr marL="961354" indent="0">
+              <a:buNone/>
+              <a:defRPr sz="1121" b="1"/>
             </a:lvl4pPr>
-            <a:lvl5pPr marL="1075334" indent="0">
-              <a:buNone/>
-              <a:defRPr sz="941" b="1"/>
+            <a:lvl5pPr marL="1281806" indent="0">
+              <a:buNone/>
+              <a:defRPr sz="1121" b="1"/>
             </a:lvl5pPr>
-            <a:lvl6pPr marL="1344168" indent="0">
-              <a:buNone/>
-              <a:defRPr sz="941" b="1"/>
+            <a:lvl6pPr marL="1602257" indent="0">
+              <a:buNone/>
+              <a:defRPr sz="1121" b="1"/>
             </a:lvl6pPr>
-            <a:lvl7pPr marL="1613002" indent="0">
-              <a:buNone/>
-              <a:defRPr sz="941" b="1"/>
+            <a:lvl7pPr marL="1922709" indent="0">
+              <a:buNone/>
+              <a:defRPr sz="1121" b="1"/>
             </a:lvl7pPr>
-            <a:lvl8pPr marL="1881835" indent="0">
-              <a:buNone/>
-              <a:defRPr sz="941" b="1"/>
+            <a:lvl8pPr marL="2243160" indent="0">
+              <a:buNone/>
+              <a:defRPr sz="1121" b="1"/>
             </a:lvl8pPr>
-            <a:lvl9pPr marL="2150669" indent="0">
-              <a:buNone/>
-              <a:defRPr sz="941" b="1"/>
+            <a:lvl9pPr marL="2563612" indent="0">
+              <a:buNone/>
+              <a:defRPr sz="1121" b="1"/>
             </a:lvl9pPr>
           </a:lstStyle>
           <a:p>
@@ -1737,8 +1736,8 @@
         </p:nvSpPr>
         <p:spPr>
           <a:xfrm>
-            <a:off x="2722037" y="2618731"/>
-            <a:ext cx="2285867" cy="3851759"/>
+            <a:off x="3244424" y="3314006"/>
+            <a:ext cx="2724548" cy="4874403"/>
           </a:xfrm>
         </p:spPr>
         <p:txBody>
@@ -1882,7 +1881,7 @@
     </p:spTree>
     <p:extLst>
       <p:ext uri="{BB962C8B-B14F-4D97-AF65-F5344CB8AC3E}">
-        <p14:creationId xmlns:p14="http://schemas.microsoft.com/office/powerpoint/2010/main" val="912641175"/>
+        <p14:creationId xmlns:p14="http://schemas.microsoft.com/office/powerpoint/2010/main" val="1899443235"/>
       </p:ext>
     </p:extLst>
   </p:cSld>
@@ -2000,7 +1999,7 @@
     </p:spTree>
     <p:extLst>
       <p:ext uri="{BB962C8B-B14F-4D97-AF65-F5344CB8AC3E}">
-        <p14:creationId xmlns:p14="http://schemas.microsoft.com/office/powerpoint/2010/main" val="65458567"/>
+        <p14:creationId xmlns:p14="http://schemas.microsoft.com/office/powerpoint/2010/main" val="3325271002"/>
       </p:ext>
     </p:extLst>
   </p:cSld>
@@ -2095,7 +2094,7 @@
     </p:spTree>
     <p:extLst>
       <p:ext uri="{BB962C8B-B14F-4D97-AF65-F5344CB8AC3E}">
-        <p14:creationId xmlns:p14="http://schemas.microsoft.com/office/powerpoint/2010/main" val="2676088815"/>
+        <p14:creationId xmlns:p14="http://schemas.microsoft.com/office/powerpoint/2010/main" val="185688860"/>
       </p:ext>
     </p:extLst>
   </p:cSld>
@@ -2134,15 +2133,15 @@
         </p:nvSpPr>
         <p:spPr>
           <a:xfrm>
-            <a:off x="370360" y="477943"/>
-            <a:ext cx="1734178" cy="1672802"/>
+            <a:off x="441435" y="604838"/>
+            <a:ext cx="2066985" cy="2116931"/>
           </a:xfrm>
         </p:spPr>
         <p:txBody>
           <a:bodyPr anchor="b"/>
           <a:lstStyle>
             <a:lvl1pPr>
-              <a:defRPr sz="1882"/>
+              <a:defRPr sz="2243"/>
             </a:lvl1pPr>
           </a:lstStyle>
           <a:p>
@@ -2166,39 +2165,39 @@
         </p:nvSpPr>
         <p:spPr>
           <a:xfrm>
-            <a:off x="2285867" y="1032226"/>
-            <a:ext cx="2722037" cy="5094743"/>
+            <a:off x="2724548" y="1306283"/>
+            <a:ext cx="3244424" cy="6447400"/>
           </a:xfrm>
         </p:spPr>
         <p:txBody>
           <a:bodyPr/>
           <a:lstStyle>
             <a:lvl1pPr>
-              <a:defRPr sz="1882"/>
+              <a:defRPr sz="2243"/>
             </a:lvl1pPr>
             <a:lvl2pPr>
-              <a:defRPr sz="1646"/>
+              <a:defRPr sz="1963"/>
             </a:lvl2pPr>
             <a:lvl3pPr>
-              <a:defRPr sz="1411"/>
+              <a:defRPr sz="1682"/>
             </a:lvl3pPr>
             <a:lvl4pPr>
-              <a:defRPr sz="1176"/>
+              <a:defRPr sz="1402"/>
             </a:lvl4pPr>
             <a:lvl5pPr>
-              <a:defRPr sz="1176"/>
+              <a:defRPr sz="1402"/>
             </a:lvl5pPr>
             <a:lvl6pPr>
-              <a:defRPr sz="1176"/>
+              <a:defRPr sz="1402"/>
             </a:lvl6pPr>
             <a:lvl7pPr>
-              <a:defRPr sz="1176"/>
+              <a:defRPr sz="1402"/>
             </a:lvl7pPr>
             <a:lvl8pPr>
-              <a:defRPr sz="1176"/>
+              <a:defRPr sz="1402"/>
             </a:lvl8pPr>
             <a:lvl9pPr>
-              <a:defRPr sz="1176"/>
+              <a:defRPr sz="1402"/>
             </a:lvl9pPr>
           </a:lstStyle>
           <a:p>
@@ -2283,8 +2282,8 @@
         </p:nvSpPr>
         <p:spPr>
           <a:xfrm>
-            <a:off x="370360" y="2150745"/>
-            <a:ext cx="1734178" cy="3984521"/>
+            <a:off x="441435" y="2721769"/>
+            <a:ext cx="2066985" cy="5042414"/>
           </a:xfrm>
         </p:spPr>
         <p:txBody>
@@ -2292,39 +2291,39 @@
           <a:lstStyle>
             <a:lvl1pPr marL="0" indent="0">
               <a:buNone/>
-              <a:defRPr sz="941"/>
+              <a:defRPr sz="1121"/>
             </a:lvl1pPr>
-            <a:lvl2pPr marL="268834" indent="0">
-              <a:buNone/>
-              <a:defRPr sz="823"/>
+            <a:lvl2pPr marL="320451" indent="0">
+              <a:buNone/>
+              <a:defRPr sz="981"/>
             </a:lvl2pPr>
-            <a:lvl3pPr marL="537667" indent="0">
-              <a:buNone/>
-              <a:defRPr sz="706"/>
+            <a:lvl3pPr marL="640903" indent="0">
+              <a:buNone/>
+              <a:defRPr sz="841"/>
             </a:lvl3pPr>
-            <a:lvl4pPr marL="806501" indent="0">
-              <a:buNone/>
-              <a:defRPr sz="588"/>
+            <a:lvl4pPr marL="961354" indent="0">
+              <a:buNone/>
+              <a:defRPr sz="701"/>
             </a:lvl4pPr>
-            <a:lvl5pPr marL="1075334" indent="0">
-              <a:buNone/>
-              <a:defRPr sz="588"/>
+            <a:lvl5pPr marL="1281806" indent="0">
+              <a:buNone/>
+              <a:defRPr sz="701"/>
             </a:lvl5pPr>
-            <a:lvl6pPr marL="1344168" indent="0">
-              <a:buNone/>
-              <a:defRPr sz="588"/>
+            <a:lvl6pPr marL="1602257" indent="0">
+              <a:buNone/>
+              <a:defRPr sz="701"/>
             </a:lvl6pPr>
-            <a:lvl7pPr marL="1613002" indent="0">
-              <a:buNone/>
-              <a:defRPr sz="588"/>
+            <a:lvl7pPr marL="1922709" indent="0">
+              <a:buNone/>
+              <a:defRPr sz="701"/>
             </a:lvl7pPr>
-            <a:lvl8pPr marL="1881835" indent="0">
-              <a:buNone/>
-              <a:defRPr sz="588"/>
+            <a:lvl8pPr marL="2243160" indent="0">
+              <a:buNone/>
+              <a:defRPr sz="701"/>
             </a:lvl8pPr>
-            <a:lvl9pPr marL="2150669" indent="0">
-              <a:buNone/>
-              <a:defRPr sz="588"/>
+            <a:lvl9pPr marL="2563612" indent="0">
+              <a:buNone/>
+              <a:defRPr sz="701"/>
             </a:lvl9pPr>
           </a:lstStyle>
           <a:p>
@@ -2404,7 +2403,7 @@
     </p:spTree>
     <p:extLst>
       <p:ext uri="{BB962C8B-B14F-4D97-AF65-F5344CB8AC3E}">
-        <p14:creationId xmlns:p14="http://schemas.microsoft.com/office/powerpoint/2010/main" val="1621347267"/>
+        <p14:creationId xmlns:p14="http://schemas.microsoft.com/office/powerpoint/2010/main" val="215528120"/>
       </p:ext>
     </p:extLst>
   </p:cSld>
@@ -2443,15 +2442,15 @@
         </p:nvSpPr>
         <p:spPr>
           <a:xfrm>
-            <a:off x="370360" y="477943"/>
-            <a:ext cx="1734178" cy="1672802"/>
+            <a:off x="441435" y="604838"/>
+            <a:ext cx="2066985" cy="2116931"/>
           </a:xfrm>
         </p:spPr>
         <p:txBody>
           <a:bodyPr anchor="b"/>
           <a:lstStyle>
             <a:lvl1pPr>
-              <a:defRPr sz="1882"/>
+              <a:defRPr sz="2243"/>
             </a:lvl1pPr>
           </a:lstStyle>
           <a:p>
@@ -2475,8 +2474,8 @@
         </p:nvSpPr>
         <p:spPr>
           <a:xfrm>
-            <a:off x="2285867" y="1032226"/>
-            <a:ext cx="2722037" cy="5094743"/>
+            <a:off x="2724548" y="1306283"/>
+            <a:ext cx="3244424" cy="6447400"/>
           </a:xfrm>
         </p:spPr>
         <p:txBody>
@@ -2484,39 +2483,39 @@
           <a:lstStyle>
             <a:lvl1pPr marL="0" indent="0">
               <a:buNone/>
-              <a:defRPr sz="1882"/>
+              <a:defRPr sz="2243"/>
             </a:lvl1pPr>
-            <a:lvl2pPr marL="268834" indent="0">
-              <a:buNone/>
-              <a:defRPr sz="1646"/>
+            <a:lvl2pPr marL="320451" indent="0">
+              <a:buNone/>
+              <a:defRPr sz="1963"/>
             </a:lvl2pPr>
-            <a:lvl3pPr marL="537667" indent="0">
-              <a:buNone/>
-              <a:defRPr sz="1411"/>
+            <a:lvl3pPr marL="640903" indent="0">
+              <a:buNone/>
+              <a:defRPr sz="1682"/>
             </a:lvl3pPr>
-            <a:lvl4pPr marL="806501" indent="0">
-              <a:buNone/>
-              <a:defRPr sz="1176"/>
+            <a:lvl4pPr marL="961354" indent="0">
+              <a:buNone/>
+              <a:defRPr sz="1402"/>
             </a:lvl4pPr>
-            <a:lvl5pPr marL="1075334" indent="0">
-              <a:buNone/>
-              <a:defRPr sz="1176"/>
+            <a:lvl5pPr marL="1281806" indent="0">
+              <a:buNone/>
+              <a:defRPr sz="1402"/>
             </a:lvl5pPr>
-            <a:lvl6pPr marL="1344168" indent="0">
-              <a:buNone/>
-              <a:defRPr sz="1176"/>
+            <a:lvl6pPr marL="1602257" indent="0">
+              <a:buNone/>
+              <a:defRPr sz="1402"/>
             </a:lvl6pPr>
-            <a:lvl7pPr marL="1613002" indent="0">
-              <a:buNone/>
-              <a:defRPr sz="1176"/>
+            <a:lvl7pPr marL="1922709" indent="0">
+              <a:buNone/>
+              <a:defRPr sz="1402"/>
             </a:lvl7pPr>
-            <a:lvl8pPr marL="1881835" indent="0">
-              <a:buNone/>
-              <a:defRPr sz="1176"/>
+            <a:lvl8pPr marL="2243160" indent="0">
+              <a:buNone/>
+              <a:defRPr sz="1402"/>
             </a:lvl8pPr>
-            <a:lvl9pPr marL="2150669" indent="0">
-              <a:buNone/>
-              <a:defRPr sz="1176"/>
+            <a:lvl9pPr marL="2563612" indent="0">
+              <a:buNone/>
+              <a:defRPr sz="1402"/>
             </a:lvl9pPr>
           </a:lstStyle>
           <a:p>
@@ -2540,8 +2539,8 @@
         </p:nvSpPr>
         <p:spPr>
           <a:xfrm>
-            <a:off x="370360" y="2150745"/>
-            <a:ext cx="1734178" cy="3984521"/>
+            <a:off x="441435" y="2721769"/>
+            <a:ext cx="2066985" cy="5042414"/>
           </a:xfrm>
         </p:spPr>
         <p:txBody>
@@ -2549,39 +2548,39 @@
           <a:lstStyle>
             <a:lvl1pPr marL="0" indent="0">
               <a:buNone/>
-              <a:defRPr sz="941"/>
+              <a:defRPr sz="1121"/>
             </a:lvl1pPr>
-            <a:lvl2pPr marL="268834" indent="0">
-              <a:buNone/>
-              <a:defRPr sz="823"/>
+            <a:lvl2pPr marL="320451" indent="0">
+              <a:buNone/>
+              <a:defRPr sz="981"/>
             </a:lvl2pPr>
-            <a:lvl3pPr marL="537667" indent="0">
-              <a:buNone/>
-              <a:defRPr sz="706"/>
+            <a:lvl3pPr marL="640903" indent="0">
+              <a:buNone/>
+              <a:defRPr sz="841"/>
             </a:lvl3pPr>
-            <a:lvl4pPr marL="806501" indent="0">
-              <a:buNone/>
-              <a:defRPr sz="588"/>
+            <a:lvl4pPr marL="961354" indent="0">
+              <a:buNone/>
+              <a:defRPr sz="701"/>
             </a:lvl4pPr>
-            <a:lvl5pPr marL="1075334" indent="0">
-              <a:buNone/>
-              <a:defRPr sz="588"/>
+            <a:lvl5pPr marL="1281806" indent="0">
+              <a:buNone/>
+              <a:defRPr sz="701"/>
             </a:lvl5pPr>
-            <a:lvl6pPr marL="1344168" indent="0">
-              <a:buNone/>
-              <a:defRPr sz="588"/>
+            <a:lvl6pPr marL="1602257" indent="0">
+              <a:buNone/>
+              <a:defRPr sz="701"/>
             </a:lvl6pPr>
-            <a:lvl7pPr marL="1613002" indent="0">
-              <a:buNone/>
-              <a:defRPr sz="588"/>
+            <a:lvl7pPr marL="1922709" indent="0">
+              <a:buNone/>
+              <a:defRPr sz="701"/>
             </a:lvl7pPr>
-            <a:lvl8pPr marL="1881835" indent="0">
-              <a:buNone/>
-              <a:defRPr sz="588"/>
+            <a:lvl8pPr marL="2243160" indent="0">
+              <a:buNone/>
+              <a:defRPr sz="701"/>
             </a:lvl8pPr>
-            <a:lvl9pPr marL="2150669" indent="0">
-              <a:buNone/>
-              <a:defRPr sz="588"/>
+            <a:lvl9pPr marL="2563612" indent="0">
+              <a:buNone/>
+              <a:defRPr sz="701"/>
             </a:lvl9pPr>
           </a:lstStyle>
           <a:p>
@@ -2661,7 +2660,7 @@
     </p:spTree>
     <p:extLst>
       <p:ext uri="{BB962C8B-B14F-4D97-AF65-F5344CB8AC3E}">
-        <p14:creationId xmlns:p14="http://schemas.microsoft.com/office/powerpoint/2010/main" val="390193483"/>
+        <p14:creationId xmlns:p14="http://schemas.microsoft.com/office/powerpoint/2010/main" val="4293330490"/>
       </p:ext>
     </p:extLst>
   </p:cSld>
@@ -2705,8 +2704,8 @@
         </p:nvSpPr>
         <p:spPr>
           <a:xfrm>
-            <a:off x="369660" y="381693"/>
-            <a:ext cx="4637544" cy="1385704"/>
+            <a:off x="440601" y="483032"/>
+            <a:ext cx="5527537" cy="1753609"/>
           </a:xfrm>
           <a:prstGeom prst="rect">
             <a:avLst/>
@@ -2738,8 +2737,8 @@
         </p:nvSpPr>
         <p:spPr>
           <a:xfrm>
-            <a:off x="369660" y="1908454"/>
-            <a:ext cx="4637544" cy="4548760"/>
+            <a:off x="440601" y="2415150"/>
+            <a:ext cx="5527537" cy="5756458"/>
           </a:xfrm>
           <a:prstGeom prst="rect">
             <a:avLst/>
@@ -2832,8 +2831,8 @@
         </p:nvSpPr>
         <p:spPr>
           <a:xfrm>
-            <a:off x="369659" y="6644741"/>
-            <a:ext cx="1209794" cy="381691"/>
+            <a:off x="440601" y="8408924"/>
+            <a:ext cx="1441966" cy="483030"/>
           </a:xfrm>
           <a:prstGeom prst="rect">
             <a:avLst/>
@@ -2843,7 +2842,7 @@
           <a:bodyPr vert="horz" lIns="91440" tIns="45720" rIns="91440" bIns="45720" rtlCol="0" anchor="ctr"/>
           <a:lstStyle>
             <a:lvl1pPr algn="l">
-              <a:defRPr sz="706">
+              <a:defRPr sz="841">
                 <a:solidFill>
                   <a:schemeClr val="tx1">
                     <a:tint val="75000"/>
@@ -2873,8 +2872,8 @@
         </p:nvSpPr>
         <p:spPr>
           <a:xfrm>
-            <a:off x="1781086" y="6644741"/>
-            <a:ext cx="1814691" cy="381691"/>
+            <a:off x="2122895" y="8408924"/>
+            <a:ext cx="2162949" cy="483030"/>
           </a:xfrm>
           <a:prstGeom prst="rect">
             <a:avLst/>
@@ -2884,7 +2883,7 @@
           <a:bodyPr vert="horz" lIns="91440" tIns="45720" rIns="91440" bIns="45720" rtlCol="0" anchor="ctr"/>
           <a:lstStyle>
             <a:lvl1pPr algn="ctr">
-              <a:defRPr sz="706">
+              <a:defRPr sz="841">
                 <a:solidFill>
                   <a:schemeClr val="tx1">
                     <a:tint val="75000"/>
@@ -2910,8 +2909,8 @@
         </p:nvSpPr>
         <p:spPr>
           <a:xfrm>
-            <a:off x="3797410" y="6644741"/>
-            <a:ext cx="1209794" cy="381691"/>
+            <a:off x="4526171" y="8408924"/>
+            <a:ext cx="1441966" cy="483030"/>
           </a:xfrm>
           <a:prstGeom prst="rect">
             <a:avLst/>
@@ -2921,7 +2920,7 @@
           <a:bodyPr vert="horz" lIns="91440" tIns="45720" rIns="91440" bIns="45720" rtlCol="0" anchor="ctr"/>
           <a:lstStyle>
             <a:lvl1pPr algn="r">
-              <a:defRPr sz="706">
+              <a:defRPr sz="841">
                 <a:solidFill>
                   <a:schemeClr val="tx1">
                     <a:tint val="75000"/>
@@ -2942,27 +2941,27 @@
     </p:spTree>
     <p:extLst>
       <p:ext uri="{BB962C8B-B14F-4D97-AF65-F5344CB8AC3E}">
-        <p14:creationId xmlns:p14="http://schemas.microsoft.com/office/powerpoint/2010/main" val="2562944637"/>
+        <p14:creationId xmlns:p14="http://schemas.microsoft.com/office/powerpoint/2010/main" val="1434242577"/>
       </p:ext>
     </p:extLst>
   </p:cSld>
   <p:clrMap bg1="lt1" tx1="dk1" bg2="lt2" tx2="dk2" accent1="accent1" accent2="accent2" accent3="accent3" accent4="accent4" accent5="accent5" accent6="accent6" hlink="hlink" folHlink="folHlink"/>
   <p:sldLayoutIdLst>
-    <p:sldLayoutId id="2147483661" r:id="rId1"/>
-    <p:sldLayoutId id="2147483662" r:id="rId2"/>
-    <p:sldLayoutId id="2147483663" r:id="rId3"/>
-    <p:sldLayoutId id="2147483664" r:id="rId4"/>
-    <p:sldLayoutId id="2147483665" r:id="rId5"/>
-    <p:sldLayoutId id="2147483666" r:id="rId6"/>
-    <p:sldLayoutId id="2147483667" r:id="rId7"/>
-    <p:sldLayoutId id="2147483668" r:id="rId8"/>
-    <p:sldLayoutId id="2147483669" r:id="rId9"/>
-    <p:sldLayoutId id="2147483670" r:id="rId10"/>
-    <p:sldLayoutId id="2147483671" r:id="rId11"/>
+    <p:sldLayoutId id="2147483673" r:id="rId1"/>
+    <p:sldLayoutId id="2147483674" r:id="rId2"/>
+    <p:sldLayoutId id="2147483675" r:id="rId3"/>
+    <p:sldLayoutId id="2147483676" r:id="rId4"/>
+    <p:sldLayoutId id="2147483677" r:id="rId5"/>
+    <p:sldLayoutId id="2147483678" r:id="rId6"/>
+    <p:sldLayoutId id="2147483679" r:id="rId7"/>
+    <p:sldLayoutId id="2147483680" r:id="rId8"/>
+    <p:sldLayoutId id="2147483681" r:id="rId9"/>
+    <p:sldLayoutId id="2147483682" r:id="rId10"/>
+    <p:sldLayoutId id="2147483683" r:id="rId11"/>
   </p:sldLayoutIdLst>
   <p:txStyles>
     <p:titleStyle>
-      <a:lvl1pPr algn="l" defTabSz="537667" rtl="0" eaLnBrk="1" latinLnBrk="0" hangingPunct="1">
+      <a:lvl1pPr algn="l" defTabSz="640903" rtl="0" eaLnBrk="1" latinLnBrk="0" hangingPunct="1">
         <a:lnSpc>
           <a:spcPct val="90000"/>
         </a:lnSpc>
@@ -2970,7 +2969,7 @@
           <a:spcPct val="0"/>
         </a:spcBef>
         <a:buNone/>
-        <a:defRPr kumimoji="1" sz="2587" kern="1200">
+        <a:defRPr kumimoji="1" sz="3084" kern="1200">
           <a:solidFill>
             <a:schemeClr val="tx1"/>
           </a:solidFill>
@@ -2981,16 +2980,16 @@
       </a:lvl1pPr>
     </p:titleStyle>
     <p:bodyStyle>
-      <a:lvl1pPr marL="134417" indent="-134417" algn="l" defTabSz="537667" rtl="0" eaLnBrk="1" latinLnBrk="0" hangingPunct="1">
+      <a:lvl1pPr marL="160226" indent="-160226" algn="l" defTabSz="640903" rtl="0" eaLnBrk="1" latinLnBrk="0" hangingPunct="1">
         <a:lnSpc>
           <a:spcPct val="90000"/>
         </a:lnSpc>
         <a:spcBef>
-          <a:spcPts val="588"/>
+          <a:spcPts val="701"/>
         </a:spcBef>
         <a:buFont typeface="Arial" panose="020B0604020202020204" pitchFamily="34" charset="0"/>
         <a:buChar char="•"/>
-        <a:defRPr kumimoji="1" sz="1646" kern="1200">
+        <a:defRPr kumimoji="1" sz="1963" kern="1200">
           <a:solidFill>
             <a:schemeClr val="tx1"/>
           </a:solidFill>
@@ -2999,16 +2998,16 @@
           <a:cs typeface="+mn-cs"/>
         </a:defRPr>
       </a:lvl1pPr>
-      <a:lvl2pPr marL="403250" indent="-134417" algn="l" defTabSz="537667" rtl="0" eaLnBrk="1" latinLnBrk="0" hangingPunct="1">
+      <a:lvl2pPr marL="480677" indent="-160226" algn="l" defTabSz="640903" rtl="0" eaLnBrk="1" latinLnBrk="0" hangingPunct="1">
         <a:lnSpc>
           <a:spcPct val="90000"/>
         </a:lnSpc>
         <a:spcBef>
-          <a:spcPts val="294"/>
+          <a:spcPts val="350"/>
         </a:spcBef>
         <a:buFont typeface="Arial" panose="020B0604020202020204" pitchFamily="34" charset="0"/>
         <a:buChar char="•"/>
-        <a:defRPr kumimoji="1" sz="1411" kern="1200">
+        <a:defRPr kumimoji="1" sz="1682" kern="1200">
           <a:solidFill>
             <a:schemeClr val="tx1"/>
           </a:solidFill>
@@ -3017,16 +3016,16 @@
           <a:cs typeface="+mn-cs"/>
         </a:defRPr>
       </a:lvl2pPr>
-      <a:lvl3pPr marL="672084" indent="-134417" algn="l" defTabSz="537667" rtl="0" eaLnBrk="1" latinLnBrk="0" hangingPunct="1">
+      <a:lvl3pPr marL="801129" indent="-160226" algn="l" defTabSz="640903" rtl="0" eaLnBrk="1" latinLnBrk="0" hangingPunct="1">
         <a:lnSpc>
           <a:spcPct val="90000"/>
         </a:lnSpc>
         <a:spcBef>
-          <a:spcPts val="294"/>
+          <a:spcPts val="350"/>
         </a:spcBef>
         <a:buFont typeface="Arial" panose="020B0604020202020204" pitchFamily="34" charset="0"/>
         <a:buChar char="•"/>
-        <a:defRPr kumimoji="1" sz="1176" kern="1200">
+        <a:defRPr kumimoji="1" sz="1402" kern="1200">
           <a:solidFill>
             <a:schemeClr val="tx1"/>
           </a:solidFill>
@@ -3035,16 +3034,16 @@
           <a:cs typeface="+mn-cs"/>
         </a:defRPr>
       </a:lvl3pPr>
-      <a:lvl4pPr marL="940918" indent="-134417" algn="l" defTabSz="537667" rtl="0" eaLnBrk="1" latinLnBrk="0" hangingPunct="1">
+      <a:lvl4pPr marL="1121580" indent="-160226" algn="l" defTabSz="640903" rtl="0" eaLnBrk="1" latinLnBrk="0" hangingPunct="1">
         <a:lnSpc>
           <a:spcPct val="90000"/>
         </a:lnSpc>
         <a:spcBef>
-          <a:spcPts val="294"/>
+          <a:spcPts val="350"/>
         </a:spcBef>
         <a:buFont typeface="Arial" panose="020B0604020202020204" pitchFamily="34" charset="0"/>
         <a:buChar char="•"/>
-        <a:defRPr kumimoji="1" sz="1058" kern="1200">
+        <a:defRPr kumimoji="1" sz="1262" kern="1200">
           <a:solidFill>
             <a:schemeClr val="tx1"/>
           </a:solidFill>
@@ -3053,16 +3052,16 @@
           <a:cs typeface="+mn-cs"/>
         </a:defRPr>
       </a:lvl4pPr>
-      <a:lvl5pPr marL="1209751" indent="-134417" algn="l" defTabSz="537667" rtl="0" eaLnBrk="1" latinLnBrk="0" hangingPunct="1">
+      <a:lvl5pPr marL="1442032" indent="-160226" algn="l" defTabSz="640903" rtl="0" eaLnBrk="1" latinLnBrk="0" hangingPunct="1">
         <a:lnSpc>
           <a:spcPct val="90000"/>
         </a:lnSpc>
         <a:spcBef>
-          <a:spcPts val="294"/>
+          <a:spcPts val="350"/>
         </a:spcBef>
         <a:buFont typeface="Arial" panose="020B0604020202020204" pitchFamily="34" charset="0"/>
         <a:buChar char="•"/>
-        <a:defRPr kumimoji="1" sz="1058" kern="1200">
+        <a:defRPr kumimoji="1" sz="1262" kern="1200">
           <a:solidFill>
             <a:schemeClr val="tx1"/>
           </a:solidFill>
@@ -3071,16 +3070,16 @@
           <a:cs typeface="+mn-cs"/>
         </a:defRPr>
       </a:lvl5pPr>
-      <a:lvl6pPr marL="1478585" indent="-134417" algn="l" defTabSz="537667" rtl="0" eaLnBrk="1" latinLnBrk="0" hangingPunct="1">
+      <a:lvl6pPr marL="1762483" indent="-160226" algn="l" defTabSz="640903" rtl="0" eaLnBrk="1" latinLnBrk="0" hangingPunct="1">
         <a:lnSpc>
           <a:spcPct val="90000"/>
         </a:lnSpc>
         <a:spcBef>
-          <a:spcPts val="294"/>
+          <a:spcPts val="350"/>
         </a:spcBef>
         <a:buFont typeface="Arial" panose="020B0604020202020204" pitchFamily="34" charset="0"/>
         <a:buChar char="•"/>
-        <a:defRPr kumimoji="1" sz="1058" kern="1200">
+        <a:defRPr kumimoji="1" sz="1262" kern="1200">
           <a:solidFill>
             <a:schemeClr val="tx1"/>
           </a:solidFill>
@@ -3089,16 +3088,16 @@
           <a:cs typeface="+mn-cs"/>
         </a:defRPr>
       </a:lvl6pPr>
-      <a:lvl7pPr marL="1747418" indent="-134417" algn="l" defTabSz="537667" rtl="0" eaLnBrk="1" latinLnBrk="0" hangingPunct="1">
+      <a:lvl7pPr marL="2082935" indent="-160226" algn="l" defTabSz="640903" rtl="0" eaLnBrk="1" latinLnBrk="0" hangingPunct="1">
         <a:lnSpc>
           <a:spcPct val="90000"/>
         </a:lnSpc>
         <a:spcBef>
-          <a:spcPts val="294"/>
+          <a:spcPts val="350"/>
         </a:spcBef>
         <a:buFont typeface="Arial" panose="020B0604020202020204" pitchFamily="34" charset="0"/>
         <a:buChar char="•"/>
-        <a:defRPr kumimoji="1" sz="1058" kern="1200">
+        <a:defRPr kumimoji="1" sz="1262" kern="1200">
           <a:solidFill>
             <a:schemeClr val="tx1"/>
           </a:solidFill>
@@ -3107,16 +3106,16 @@
           <a:cs typeface="+mn-cs"/>
         </a:defRPr>
       </a:lvl7pPr>
-      <a:lvl8pPr marL="2016252" indent="-134417" algn="l" defTabSz="537667" rtl="0" eaLnBrk="1" latinLnBrk="0" hangingPunct="1">
+      <a:lvl8pPr marL="2403386" indent="-160226" algn="l" defTabSz="640903" rtl="0" eaLnBrk="1" latinLnBrk="0" hangingPunct="1">
         <a:lnSpc>
           <a:spcPct val="90000"/>
         </a:lnSpc>
         <a:spcBef>
-          <a:spcPts val="294"/>
+          <a:spcPts val="350"/>
         </a:spcBef>
         <a:buFont typeface="Arial" panose="020B0604020202020204" pitchFamily="34" charset="0"/>
         <a:buChar char="•"/>
-        <a:defRPr kumimoji="1" sz="1058" kern="1200">
+        <a:defRPr kumimoji="1" sz="1262" kern="1200">
           <a:solidFill>
             <a:schemeClr val="tx1"/>
           </a:solidFill>
@@ -3125,16 +3124,16 @@
           <a:cs typeface="+mn-cs"/>
         </a:defRPr>
       </a:lvl8pPr>
-      <a:lvl9pPr marL="2285086" indent="-134417" algn="l" defTabSz="537667" rtl="0" eaLnBrk="1" latinLnBrk="0" hangingPunct="1">
+      <a:lvl9pPr marL="2723838" indent="-160226" algn="l" defTabSz="640903" rtl="0" eaLnBrk="1" latinLnBrk="0" hangingPunct="1">
         <a:lnSpc>
           <a:spcPct val="90000"/>
         </a:lnSpc>
         <a:spcBef>
-          <a:spcPts val="294"/>
+          <a:spcPts val="350"/>
         </a:spcBef>
         <a:buFont typeface="Arial" panose="020B0604020202020204" pitchFamily="34" charset="0"/>
         <a:buChar char="•"/>
-        <a:defRPr kumimoji="1" sz="1058" kern="1200">
+        <a:defRPr kumimoji="1" sz="1262" kern="1200">
           <a:solidFill>
             <a:schemeClr val="tx1"/>
           </a:solidFill>
@@ -3148,8 +3147,8 @@
       <a:defPPr>
         <a:defRPr lang="en-US"/>
       </a:defPPr>
-      <a:lvl1pPr marL="0" algn="l" defTabSz="537667" rtl="0" eaLnBrk="1" latinLnBrk="0" hangingPunct="1">
-        <a:defRPr kumimoji="1" sz="1058" kern="1200">
+      <a:lvl1pPr marL="0" algn="l" defTabSz="640903" rtl="0" eaLnBrk="1" latinLnBrk="0" hangingPunct="1">
+        <a:defRPr kumimoji="1" sz="1262" kern="1200">
           <a:solidFill>
             <a:schemeClr val="tx1"/>
           </a:solidFill>
@@ -3158,8 +3157,8 @@
           <a:cs typeface="+mn-cs"/>
         </a:defRPr>
       </a:lvl1pPr>
-      <a:lvl2pPr marL="268834" algn="l" defTabSz="537667" rtl="0" eaLnBrk="1" latinLnBrk="0" hangingPunct="1">
-        <a:defRPr kumimoji="1" sz="1058" kern="1200">
+      <a:lvl2pPr marL="320451" algn="l" defTabSz="640903" rtl="0" eaLnBrk="1" latinLnBrk="0" hangingPunct="1">
+        <a:defRPr kumimoji="1" sz="1262" kern="1200">
           <a:solidFill>
             <a:schemeClr val="tx1"/>
           </a:solidFill>
@@ -3168,8 +3167,8 @@
           <a:cs typeface="+mn-cs"/>
         </a:defRPr>
       </a:lvl2pPr>
-      <a:lvl3pPr marL="537667" algn="l" defTabSz="537667" rtl="0" eaLnBrk="1" latinLnBrk="0" hangingPunct="1">
-        <a:defRPr kumimoji="1" sz="1058" kern="1200">
+      <a:lvl3pPr marL="640903" algn="l" defTabSz="640903" rtl="0" eaLnBrk="1" latinLnBrk="0" hangingPunct="1">
+        <a:defRPr kumimoji="1" sz="1262" kern="1200">
           <a:solidFill>
             <a:schemeClr val="tx1"/>
           </a:solidFill>
@@ -3178,8 +3177,8 @@
           <a:cs typeface="+mn-cs"/>
         </a:defRPr>
       </a:lvl3pPr>
-      <a:lvl4pPr marL="806501" algn="l" defTabSz="537667" rtl="0" eaLnBrk="1" latinLnBrk="0" hangingPunct="1">
-        <a:defRPr kumimoji="1" sz="1058" kern="1200">
+      <a:lvl4pPr marL="961354" algn="l" defTabSz="640903" rtl="0" eaLnBrk="1" latinLnBrk="0" hangingPunct="1">
+        <a:defRPr kumimoji="1" sz="1262" kern="1200">
           <a:solidFill>
             <a:schemeClr val="tx1"/>
           </a:solidFill>
@@ -3188,8 +3187,8 @@
           <a:cs typeface="+mn-cs"/>
         </a:defRPr>
       </a:lvl4pPr>
-      <a:lvl5pPr marL="1075334" algn="l" defTabSz="537667" rtl="0" eaLnBrk="1" latinLnBrk="0" hangingPunct="1">
-        <a:defRPr kumimoji="1" sz="1058" kern="1200">
+      <a:lvl5pPr marL="1281806" algn="l" defTabSz="640903" rtl="0" eaLnBrk="1" latinLnBrk="0" hangingPunct="1">
+        <a:defRPr kumimoji="1" sz="1262" kern="1200">
           <a:solidFill>
             <a:schemeClr val="tx1"/>
           </a:solidFill>
@@ -3198,8 +3197,8 @@
           <a:cs typeface="+mn-cs"/>
         </a:defRPr>
       </a:lvl5pPr>
-      <a:lvl6pPr marL="1344168" algn="l" defTabSz="537667" rtl="0" eaLnBrk="1" latinLnBrk="0" hangingPunct="1">
-        <a:defRPr kumimoji="1" sz="1058" kern="1200">
+      <a:lvl6pPr marL="1602257" algn="l" defTabSz="640903" rtl="0" eaLnBrk="1" latinLnBrk="0" hangingPunct="1">
+        <a:defRPr kumimoji="1" sz="1262" kern="1200">
           <a:solidFill>
             <a:schemeClr val="tx1"/>
           </a:solidFill>
@@ -3208,8 +3207,8 @@
           <a:cs typeface="+mn-cs"/>
         </a:defRPr>
       </a:lvl6pPr>
-      <a:lvl7pPr marL="1613002" algn="l" defTabSz="537667" rtl="0" eaLnBrk="1" latinLnBrk="0" hangingPunct="1">
-        <a:defRPr kumimoji="1" sz="1058" kern="1200">
+      <a:lvl7pPr marL="1922709" algn="l" defTabSz="640903" rtl="0" eaLnBrk="1" latinLnBrk="0" hangingPunct="1">
+        <a:defRPr kumimoji="1" sz="1262" kern="1200">
           <a:solidFill>
             <a:schemeClr val="tx1"/>
           </a:solidFill>
@@ -3218,8 +3217,8 @@
           <a:cs typeface="+mn-cs"/>
         </a:defRPr>
       </a:lvl7pPr>
-      <a:lvl8pPr marL="1881835" algn="l" defTabSz="537667" rtl="0" eaLnBrk="1" latinLnBrk="0" hangingPunct="1">
-        <a:defRPr kumimoji="1" sz="1058" kern="1200">
+      <a:lvl8pPr marL="2243160" algn="l" defTabSz="640903" rtl="0" eaLnBrk="1" latinLnBrk="0" hangingPunct="1">
+        <a:defRPr kumimoji="1" sz="1262" kern="1200">
           <a:solidFill>
             <a:schemeClr val="tx1"/>
           </a:solidFill>
@@ -3228,8 +3227,8 @@
           <a:cs typeface="+mn-cs"/>
         </a:defRPr>
       </a:lvl8pPr>
-      <a:lvl9pPr marL="2150669" algn="l" defTabSz="537667" rtl="0" eaLnBrk="1" latinLnBrk="0" hangingPunct="1">
-        <a:defRPr kumimoji="1" sz="1058" kern="1200">
+      <a:lvl9pPr marL="2563612" algn="l" defTabSz="640903" rtl="0" eaLnBrk="1" latinLnBrk="0" hangingPunct="1">
+        <a:defRPr kumimoji="1" sz="1262" kern="1200">
           <a:solidFill>
             <a:schemeClr val="tx1"/>
           </a:solidFill>
@@ -3262,10 +3261,10 @@
       </p:grpSpPr>
       <p:pic>
         <p:nvPicPr>
-          <p:cNvPr id="9" name="図 8" descr="屋外, 水, 座る, 椅子 が含まれている画像&#10;&#10;自動的に生成された説明">
+          <p:cNvPr id="7" name="図 6">
             <a:extLst>
               <a:ext uri="{FF2B5EF4-FFF2-40B4-BE49-F238E27FC236}">
-                <a16:creationId xmlns:a16="http://schemas.microsoft.com/office/drawing/2014/main" id="{C8C19B1E-235A-4D41-8C3E-31B05D2100C3}"/>
+                <a16:creationId xmlns:a16="http://schemas.microsoft.com/office/drawing/2014/main" id="{7BBDEDC4-AE4F-4613-8027-C80AF61800B3}"/>
               </a:ext>
             </a:extLst>
           </p:cNvPr>
@@ -3282,13 +3281,13 @@
               </a:ext>
             </a:extLst>
           </a:blip>
-          <a:srcRect b="28967"/>
+          <a:srcRect l="23510" r="23511"/>
           <a:stretch/>
         </p:blipFill>
         <p:spPr>
           <a:xfrm>
-            <a:off x="-1" y="-1"/>
-            <a:ext cx="5376863" cy="2864499"/>
+            <a:off x="0" y="-1"/>
+            <a:ext cx="6408738" cy="9072563"/>
           </a:xfrm>
           <a:prstGeom prst="rect">
             <a:avLst/>
@@ -3297,10 +3296,10 @@
       </p:pic>
       <p:sp>
         <p:nvSpPr>
-          <p:cNvPr id="10" name="テキスト ボックス 9">
+          <p:cNvPr id="8" name="テキスト ボックス 7">
             <a:extLst>
               <a:ext uri="{FF2B5EF4-FFF2-40B4-BE49-F238E27FC236}">
-                <a16:creationId xmlns:a16="http://schemas.microsoft.com/office/drawing/2014/main" id="{FE7E9E70-518F-489E-AEC0-8F32497DD77B}"/>
+                <a16:creationId xmlns:a16="http://schemas.microsoft.com/office/drawing/2014/main" id="{73D1C0E0-E7BD-4BFC-AF70-2D22771963BE}"/>
               </a:ext>
             </a:extLst>
           </p:cNvPr>
@@ -3309,8 +3308,126 @@
         </p:nvSpPr>
         <p:spPr>
           <a:xfrm>
-            <a:off x="0" y="2923111"/>
-            <a:ext cx="5376951" cy="738664"/>
+            <a:off x="304800" y="1485952"/>
+            <a:ext cx="5802924" cy="1472400"/>
+          </a:xfrm>
+          <a:prstGeom prst="rect">
+            <a:avLst/>
+          </a:prstGeom>
+        </p:spPr>
+        <p:txBody>
+          <a:bodyPr vert="horz" lIns="91440" tIns="45720" rIns="91440" bIns="45720" rtlCol="0" anchor="ctr">
+            <a:noAutofit/>
+          </a:bodyPr>
+          <a:lstStyle/>
+          <a:p>
+            <a:pPr algn="ctr" defTabSz="685800">
+              <a:lnSpc>
+                <a:spcPct val="90000"/>
+              </a:lnSpc>
+              <a:spcBef>
+                <a:spcPct val="0"/>
+              </a:spcBef>
+              <a:spcAft>
+                <a:spcPts val="600"/>
+              </a:spcAft>
+            </a:pPr>
+            <a:r>
+              <a:rPr kumimoji="1" lang="ja-JP" altLang="en-US" sz="4800" b="1" dirty="0">
+                <a:solidFill>
+                  <a:schemeClr val="bg1"/>
+                </a:solidFill>
+                <a:latin typeface="+mn-ea"/>
+                <a:cs typeface="+mj-cs"/>
+              </a:rPr>
+              <a:t>不均衡</a:t>
+            </a:r>
+            <a:r>
+              <a:rPr kumimoji="1" lang="ja-JP" altLang="en-US" sz="4800" dirty="0">
+                <a:solidFill>
+                  <a:schemeClr val="bg1"/>
+                </a:solidFill>
+                <a:latin typeface="+mn-ea"/>
+                <a:cs typeface="+mj-cs"/>
+              </a:rPr>
+              <a:t>な</a:t>
+            </a:r>
+            <a:r>
+              <a:rPr kumimoji="1" lang="ja-JP" altLang="en-US" sz="4800" b="1" dirty="0">
+                <a:solidFill>
+                  <a:schemeClr val="bg1"/>
+                </a:solidFill>
+                <a:latin typeface="+mn-ea"/>
+                <a:cs typeface="+mj-cs"/>
+              </a:rPr>
+              <a:t>二値分類</a:t>
+            </a:r>
+            <a:r>
+              <a:rPr kumimoji="1" lang="ja-JP" altLang="en-US" sz="4800" dirty="0">
+                <a:solidFill>
+                  <a:schemeClr val="bg1"/>
+                </a:solidFill>
+                <a:latin typeface="+mn-ea"/>
+                <a:cs typeface="+mj-cs"/>
+              </a:rPr>
+              <a:t>を</a:t>
+            </a:r>
+            <a:endParaRPr kumimoji="1" lang="en-US" altLang="ja-JP" sz="4800" dirty="0">
+              <a:solidFill>
+                <a:schemeClr val="bg1"/>
+              </a:solidFill>
+              <a:latin typeface="+mn-ea"/>
+              <a:cs typeface="+mj-cs"/>
+            </a:endParaRPr>
+          </a:p>
+          <a:p>
+            <a:pPr algn="ctr" defTabSz="685800">
+              <a:lnSpc>
+                <a:spcPct val="90000"/>
+              </a:lnSpc>
+              <a:spcBef>
+                <a:spcPct val="0"/>
+              </a:spcBef>
+              <a:spcAft>
+                <a:spcPts val="600"/>
+              </a:spcAft>
+            </a:pPr>
+            <a:r>
+              <a:rPr kumimoji="1" lang="ja-JP" altLang="en-US" sz="4800" dirty="0">
+                <a:solidFill>
+                  <a:schemeClr val="bg1"/>
+                </a:solidFill>
+                <a:latin typeface="+mn-ea"/>
+                <a:cs typeface="+mj-cs"/>
+              </a:rPr>
+              <a:t>読み解く本</a:t>
+            </a:r>
+            <a:endParaRPr kumimoji="1" lang="en-US" altLang="ja-JP" sz="4800" dirty="0">
+              <a:solidFill>
+                <a:schemeClr val="bg1"/>
+              </a:solidFill>
+              <a:latin typeface="+mn-ea"/>
+              <a:cs typeface="+mj-cs"/>
+            </a:endParaRPr>
+          </a:p>
+        </p:txBody>
+      </p:sp>
+      <p:sp>
+        <p:nvSpPr>
+          <p:cNvPr id="9" name="テキスト ボックス 8">
+            <a:extLst>
+              <a:ext uri="{FF2B5EF4-FFF2-40B4-BE49-F238E27FC236}">
+                <a16:creationId xmlns:a16="http://schemas.microsoft.com/office/drawing/2014/main" id="{0DEAB432-53E9-4CE9-A7A6-21AEB1ADB2DB}"/>
+              </a:ext>
+            </a:extLst>
+          </p:cNvPr>
+          <p:cNvSpPr txBox="1"/>
+          <p:nvPr/>
+        </p:nvSpPr>
+        <p:spPr>
+          <a:xfrm>
+            <a:off x="4328070" y="5492237"/>
+            <a:ext cx="1779654" cy="523220"/>
           </a:xfrm>
           <a:prstGeom prst="rect">
             <a:avLst/>
@@ -3318,80 +3435,58 @@
           <a:noFill/>
         </p:spPr>
         <p:txBody>
-          <a:bodyPr wrap="square" rtlCol="0">
+          <a:bodyPr wrap="none" rtlCol="0">
             <a:spAutoFit/>
           </a:bodyPr>
           <a:lstStyle/>
           <a:p>
-            <a:pPr algn="ctr"/>
-            <a:r>
-              <a:rPr kumimoji="1" lang="ja-JP" altLang="en-US" sz="2400" dirty="0"/>
-              <a:t>二値分類を読み解く本</a:t>
-            </a:r>
-            <a:endParaRPr kumimoji="1" lang="en-US" altLang="ja-JP" sz="2400" dirty="0"/>
-          </a:p>
-          <a:p>
-            <a:pPr algn="ctr"/>
-            <a:r>
-              <a:rPr kumimoji="1" lang="en-US" altLang="ja-JP" dirty="0"/>
-              <a:t>Recall</a:t>
-            </a:r>
-            <a:r>
-              <a:rPr kumimoji="1" lang="ja-JP" altLang="en-US" dirty="0"/>
-              <a:t>と</a:t>
-            </a:r>
-            <a:r>
-              <a:rPr kumimoji="1" lang="en-US" altLang="ja-JP" dirty="0"/>
-              <a:t>Precision</a:t>
-            </a:r>
-            <a:r>
-              <a:rPr kumimoji="1" lang="ja-JP" altLang="en-US" dirty="0"/>
-              <a:t>の違いを知るために</a:t>
-            </a:r>
-          </a:p>
-        </p:txBody>
-      </p:sp>
-      <p:pic>
-        <p:nvPicPr>
-          <p:cNvPr id="13" name="図 12" descr="モニター, 屋内, 電子機器, 画面 が含まれている画像&#10;&#10;自動的に生成された説明">
+            <a:pPr>
+              <a:spcAft>
+                <a:spcPts val="600"/>
+              </a:spcAft>
+            </a:pPr>
+            <a:r>
+              <a:rPr kumimoji="1" lang="en-US" altLang="ja-JP" sz="2800" dirty="0">
+                <a:solidFill>
+                  <a:schemeClr val="bg1"/>
+                </a:solidFill>
+                <a:cs typeface="Arial" panose="020B0604020202020204" pitchFamily="34" charset="0"/>
+              </a:rPr>
+              <a:t>Rio114[</a:t>
+            </a:r>
+            <a:r>
+              <a:rPr kumimoji="1" lang="ja-JP" altLang="en-US" sz="2800" dirty="0">
+                <a:solidFill>
+                  <a:schemeClr val="bg1"/>
+                </a:solidFill>
+                <a:cs typeface="Arial" panose="020B0604020202020204" pitchFamily="34" charset="0"/>
+              </a:rPr>
+              <a:t>著</a:t>
+            </a:r>
+            <a:r>
+              <a:rPr kumimoji="1" lang="en-US" altLang="ja-JP" sz="2800" dirty="0">
+                <a:solidFill>
+                  <a:schemeClr val="bg1"/>
+                </a:solidFill>
+                <a:cs typeface="Arial" panose="020B0604020202020204" pitchFamily="34" charset="0"/>
+              </a:rPr>
+              <a:t>]</a:t>
+            </a:r>
+            <a:endParaRPr kumimoji="1" lang="ja-JP" altLang="en-US" sz="2800" dirty="0">
+              <a:solidFill>
+                <a:schemeClr val="bg1"/>
+              </a:solidFill>
+              <a:cs typeface="Arial" panose="020B0604020202020204" pitchFamily="34" charset="0"/>
+            </a:endParaRPr>
+          </a:p>
+        </p:txBody>
+      </p:sp>
+      <p:sp>
+        <p:nvSpPr>
+          <p:cNvPr id="10" name="テキスト ボックス 9">
             <a:extLst>
               <a:ext uri="{FF2B5EF4-FFF2-40B4-BE49-F238E27FC236}">
-                <a16:creationId xmlns:a16="http://schemas.microsoft.com/office/drawing/2014/main" id="{F63EC4F8-AFB6-4D05-AC41-DDD950818A2E}"/>
-              </a:ext>
-            </a:extLst>
-          </p:cNvPr>
-          <p:cNvPicPr>
-            <a:picLocks noChangeAspect="1"/>
-          </p:cNvPicPr>
-          <p:nvPr/>
-        </p:nvPicPr>
-        <p:blipFill rotWithShape="1">
-          <a:blip r:embed="rId3">
-            <a:extLst>
-              <a:ext uri="{28A0092B-C50C-407E-A947-70E740481C1C}">
-                <a14:useLocalDpi xmlns:a14="http://schemas.microsoft.com/office/drawing/2010/main" val="0"/>
-              </a:ext>
-            </a:extLst>
-          </a:blip>
-          <a:srcRect t="14207" r="7495" b="20356"/>
-          <a:stretch/>
-        </p:blipFill>
-        <p:spPr>
-          <a:xfrm>
-            <a:off x="-7407" y="4304652"/>
-            <a:ext cx="5399216" cy="2864499"/>
-          </a:xfrm>
-          <a:prstGeom prst="rect">
-            <a:avLst/>
-          </a:prstGeom>
-        </p:spPr>
-      </p:pic>
-      <p:sp>
-        <p:nvSpPr>
-          <p:cNvPr id="20" name="テキスト ボックス 19">
-            <a:extLst>
-              <a:ext uri="{FF2B5EF4-FFF2-40B4-BE49-F238E27FC236}">
-                <a16:creationId xmlns:a16="http://schemas.microsoft.com/office/drawing/2014/main" id="{494319BA-79B9-42C5-B6F4-782A693E1EFF}"/>
+                <a16:creationId xmlns:a16="http://schemas.microsoft.com/office/drawing/2014/main" id="{FC48674F-951D-4125-9720-C763009DF5FB}"/>
               </a:ext>
             </a:extLst>
           </p:cNvPr>
@@ -3400,8 +3495,8 @@
         </p:nvSpPr>
         <p:spPr>
           <a:xfrm>
-            <a:off x="3712280" y="3656619"/>
-            <a:ext cx="1547218" cy="461665"/>
+            <a:off x="902790" y="3494173"/>
+            <a:ext cx="4907959" cy="907941"/>
           </a:xfrm>
           <a:prstGeom prst="rect">
             <a:avLst/>
@@ -3409,250 +3504,75 @@
           <a:noFill/>
         </p:spPr>
         <p:txBody>
-          <a:bodyPr wrap="none" rtlCol="0">
+          <a:bodyPr wrap="square" rtlCol="0">
             <a:spAutoFit/>
           </a:bodyPr>
           <a:lstStyle/>
           <a:p>
+            <a:pPr algn="ctr">
+              <a:spcAft>
+                <a:spcPts val="600"/>
+              </a:spcAft>
+            </a:pPr>
             <a:r>
               <a:rPr kumimoji="1" lang="en-US" altLang="ja-JP" sz="2400" dirty="0">
-                <a:cs typeface="Arial" panose="020B0604020202020204" pitchFamily="34" charset="0"/>
+                <a:solidFill>
+                  <a:schemeClr val="bg1"/>
+                </a:solidFill>
               </a:rPr>
-              <a:t>Rio114[</a:t>
+              <a:t>Recall</a:t>
             </a:r>
             <a:r>
               <a:rPr kumimoji="1" lang="ja-JP" altLang="en-US" sz="2400" dirty="0">
-                <a:cs typeface="Arial" panose="020B0604020202020204" pitchFamily="34" charset="0"/>
+                <a:solidFill>
+                  <a:schemeClr val="bg1"/>
+                </a:solidFill>
               </a:rPr>
-              <a:t>著</a:t>
+              <a:t>・</a:t>
             </a:r>
             <a:r>
               <a:rPr kumimoji="1" lang="en-US" altLang="ja-JP" sz="2400" dirty="0">
-                <a:cs typeface="Arial" panose="020B0604020202020204" pitchFamily="34" charset="0"/>
+                <a:solidFill>
+                  <a:schemeClr val="bg1"/>
+                </a:solidFill>
               </a:rPr>
-              <a:t>]</a:t>
-            </a:r>
-            <a:endParaRPr kumimoji="1" lang="ja-JP" altLang="en-US" sz="2400" dirty="0">
-              <a:cs typeface="Arial" panose="020B0604020202020204" pitchFamily="34" charset="0"/>
+              <a:t>Precision</a:t>
+            </a:r>
+            <a:r>
+              <a:rPr kumimoji="1" lang="ja-JP" altLang="en-US" sz="2400" dirty="0">
+                <a:solidFill>
+                  <a:schemeClr val="bg1"/>
+                </a:solidFill>
+              </a:rPr>
+              <a:t>の違いから</a:t>
+            </a:r>
+            <a:endParaRPr kumimoji="1" lang="en-US" altLang="ja-JP" sz="2400" dirty="0">
+              <a:solidFill>
+                <a:schemeClr val="bg1"/>
+              </a:solidFill>
             </a:endParaRPr>
+          </a:p>
+          <a:p>
+            <a:pPr algn="ctr">
+              <a:spcAft>
+                <a:spcPts val="600"/>
+              </a:spcAft>
+            </a:pPr>
+            <a:r>
+              <a:rPr kumimoji="1" lang="ja-JP" altLang="en-US" sz="2400" dirty="0">
+                <a:solidFill>
+                  <a:schemeClr val="bg1"/>
+                </a:solidFill>
+              </a:rPr>
+              <a:t>バンディットへの応用まで</a:t>
+            </a:r>
           </a:p>
         </p:txBody>
       </p:sp>
     </p:spTree>
     <p:extLst>
       <p:ext uri="{BB962C8B-B14F-4D97-AF65-F5344CB8AC3E}">
-        <p14:creationId xmlns:p14="http://schemas.microsoft.com/office/powerpoint/2010/main" val="771281125"/>
-      </p:ext>
-    </p:extLst>
-  </p:cSld>
-  <p:clrMapOvr>
-    <a:masterClrMapping/>
-  </p:clrMapOvr>
-</p:sld>
-</file>
-
-<file path=ppt/slides/slide2.xml><?xml version="1.0" encoding="utf-8"?>
-<p:sld xmlns:a="http://schemas.openxmlformats.org/drawingml/2006/main" xmlns:r="http://schemas.openxmlformats.org/officeDocument/2006/relationships" xmlns:p="http://schemas.openxmlformats.org/presentationml/2006/main">
-  <p:cSld>
-    <p:spTree>
-      <p:nvGrpSpPr>
-        <p:cNvPr id="1" name=""/>
-        <p:cNvGrpSpPr/>
-        <p:nvPr/>
-      </p:nvGrpSpPr>
-      <p:grpSpPr>
-        <a:xfrm>
-          <a:off x="0" y="0"/>
-          <a:ext cx="0" cy="0"/>
-          <a:chOff x="0" y="0"/>
-          <a:chExt cx="0" cy="0"/>
-        </a:xfrm>
-      </p:grpSpPr>
-      <p:sp>
-        <p:nvSpPr>
-          <p:cNvPr id="10" name="テキスト ボックス 9">
-            <a:extLst>
-              <a:ext uri="{FF2B5EF4-FFF2-40B4-BE49-F238E27FC236}">
-                <a16:creationId xmlns:a16="http://schemas.microsoft.com/office/drawing/2014/main" id="{FE7E9E70-518F-489E-AEC0-8F32497DD77B}"/>
-              </a:ext>
-            </a:extLst>
-          </p:cNvPr>
-          <p:cNvSpPr txBox="1"/>
-          <p:nvPr/>
-        </p:nvSpPr>
-        <p:spPr>
-          <a:xfrm>
-            <a:off x="0" y="786400"/>
-            <a:ext cx="5376951" cy="646331"/>
-          </a:xfrm>
-          <a:prstGeom prst="rect">
-            <a:avLst/>
-          </a:prstGeom>
-          <a:noFill/>
-        </p:spPr>
-        <p:txBody>
-          <a:bodyPr wrap="square" rtlCol="0">
-            <a:spAutoFit/>
-          </a:bodyPr>
-          <a:lstStyle/>
-          <a:p>
-            <a:pPr algn="ctr"/>
-            <a:r>
-              <a:rPr kumimoji="1" lang="ja-JP" altLang="en-US" sz="3600" dirty="0"/>
-              <a:t>二値分類を読み解く本</a:t>
-            </a:r>
-            <a:endParaRPr kumimoji="1" lang="en-US" altLang="ja-JP" sz="3600" dirty="0"/>
-          </a:p>
-        </p:txBody>
-      </p:sp>
-      <p:sp>
-        <p:nvSpPr>
-          <p:cNvPr id="20" name="テキスト ボックス 19">
-            <a:extLst>
-              <a:ext uri="{FF2B5EF4-FFF2-40B4-BE49-F238E27FC236}">
-                <a16:creationId xmlns:a16="http://schemas.microsoft.com/office/drawing/2014/main" id="{494319BA-79B9-42C5-B6F4-782A693E1EFF}"/>
-              </a:ext>
-            </a:extLst>
-          </p:cNvPr>
-          <p:cNvSpPr txBox="1"/>
-          <p:nvPr/>
-        </p:nvSpPr>
-        <p:spPr>
-          <a:xfrm>
-            <a:off x="3712463" y="2250214"/>
-            <a:ext cx="1547218" cy="461665"/>
-          </a:xfrm>
-          <a:prstGeom prst="rect">
-            <a:avLst/>
-          </a:prstGeom>
-          <a:noFill/>
-        </p:spPr>
-        <p:txBody>
-          <a:bodyPr wrap="none" rtlCol="0">
-            <a:spAutoFit/>
-          </a:bodyPr>
-          <a:lstStyle/>
-          <a:p>
-            <a:r>
-              <a:rPr kumimoji="1" lang="en-US" altLang="ja-JP" sz="2400" dirty="0">
-                <a:cs typeface="Arial" panose="020B0604020202020204" pitchFamily="34" charset="0"/>
-              </a:rPr>
-              <a:t>Rio114[</a:t>
-            </a:r>
-            <a:r>
-              <a:rPr kumimoji="1" lang="ja-JP" altLang="en-US" sz="2400" dirty="0">
-                <a:cs typeface="Arial" panose="020B0604020202020204" pitchFamily="34" charset="0"/>
-              </a:rPr>
-              <a:t>著</a:t>
-            </a:r>
-            <a:r>
-              <a:rPr kumimoji="1" lang="en-US" altLang="ja-JP" sz="2400" dirty="0">
-                <a:cs typeface="Arial" panose="020B0604020202020204" pitchFamily="34" charset="0"/>
-              </a:rPr>
-              <a:t>]</a:t>
-            </a:r>
-            <a:endParaRPr kumimoji="1" lang="ja-JP" altLang="en-US" sz="2400" dirty="0">
-              <a:cs typeface="Arial" panose="020B0604020202020204" pitchFamily="34" charset="0"/>
-            </a:endParaRPr>
-          </a:p>
-        </p:txBody>
-      </p:sp>
-      <p:sp>
-        <p:nvSpPr>
-          <p:cNvPr id="2" name="テキスト ボックス 1">
-            <a:extLst>
-              <a:ext uri="{FF2B5EF4-FFF2-40B4-BE49-F238E27FC236}">
-                <a16:creationId xmlns:a16="http://schemas.microsoft.com/office/drawing/2014/main" id="{7F65F251-28E2-4A32-A1C9-2EFC4521D80A}"/>
-              </a:ext>
-            </a:extLst>
-          </p:cNvPr>
-          <p:cNvSpPr txBox="1"/>
-          <p:nvPr/>
-        </p:nvSpPr>
-        <p:spPr>
-          <a:xfrm>
-            <a:off x="234451" y="1419217"/>
-            <a:ext cx="4907959" cy="830997"/>
-          </a:xfrm>
-          <a:prstGeom prst="rect">
-            <a:avLst/>
-          </a:prstGeom>
-          <a:noFill/>
-        </p:spPr>
-        <p:txBody>
-          <a:bodyPr wrap="square" rtlCol="0">
-            <a:spAutoFit/>
-          </a:bodyPr>
-          <a:lstStyle/>
-          <a:p>
-            <a:pPr algn="ctr"/>
-            <a:r>
-              <a:rPr kumimoji="1" lang="en-US" altLang="ja-JP" sz="2400" dirty="0"/>
-              <a:t>Recall</a:t>
-            </a:r>
-            <a:r>
-              <a:rPr kumimoji="1" lang="ja-JP" altLang="en-US" sz="2400" dirty="0"/>
-              <a:t>・</a:t>
-            </a:r>
-            <a:r>
-              <a:rPr kumimoji="1" lang="en-US" altLang="ja-JP" sz="2400" dirty="0"/>
-              <a:t>Precision</a:t>
-            </a:r>
-            <a:r>
-              <a:rPr kumimoji="1" lang="ja-JP" altLang="en-US" sz="2400" dirty="0"/>
-              <a:t>の違いから</a:t>
-            </a:r>
-            <a:endParaRPr kumimoji="1" lang="en-US" altLang="ja-JP" sz="2400" dirty="0"/>
-          </a:p>
-          <a:p>
-            <a:pPr algn="ctr"/>
-            <a:r>
-              <a:rPr kumimoji="1" lang="ja-JP" altLang="en-US" sz="2400" dirty="0"/>
-              <a:t>バンディットへの応用まで</a:t>
-            </a:r>
-          </a:p>
-        </p:txBody>
-      </p:sp>
-      <p:pic>
-        <p:nvPicPr>
-          <p:cNvPr id="4" name="図 3" descr="海に泳いでいる&#10;&#10;自動的に生成された説明">
-            <a:extLst>
-              <a:ext uri="{FF2B5EF4-FFF2-40B4-BE49-F238E27FC236}">
-                <a16:creationId xmlns:a16="http://schemas.microsoft.com/office/drawing/2014/main" id="{F8F3945A-DCA3-4658-8F84-3CA6F28A173E}"/>
-              </a:ext>
-            </a:extLst>
-          </p:cNvPr>
-          <p:cNvPicPr>
-            <a:picLocks noChangeAspect="1"/>
-          </p:cNvPicPr>
-          <p:nvPr/>
-        </p:nvPicPr>
-        <p:blipFill>
-          <a:blip r:embed="rId2">
-            <a:extLst>
-              <a:ext uri="{28A0092B-C50C-407E-A947-70E740481C1C}">
-                <a14:useLocalDpi xmlns:a14="http://schemas.microsoft.com/office/drawing/2010/main" val="0"/>
-              </a:ext>
-            </a:extLst>
-          </a:blip>
-          <a:stretch>
-            <a:fillRect/>
-          </a:stretch>
-        </p:blipFill>
-        <p:spPr>
-          <a:xfrm>
-            <a:off x="-2" y="2883031"/>
-            <a:ext cx="5376863" cy="4032647"/>
-          </a:xfrm>
-          <a:prstGeom prst="rect">
-            <a:avLst/>
-          </a:prstGeom>
-        </p:spPr>
-      </p:pic>
-    </p:spTree>
-    <p:extLst>
-      <p:ext uri="{BB962C8B-B14F-4D97-AF65-F5344CB8AC3E}">
-        <p14:creationId xmlns:p14="http://schemas.microsoft.com/office/powerpoint/2010/main" val="1906004052"/>
+        <p14:creationId xmlns:p14="http://schemas.microsoft.com/office/powerpoint/2010/main" val="3520968768"/>
       </p:ext>
     </p:extLst>
   </p:cSld>

--- a/unbalance/images/表紙.pptx
+++ b/unbalance/images/表紙.pptx
@@ -2,13 +2,13 @@
 <file path=ppt/presentation.xml><?xml version="1.0" encoding="utf-8"?>
 <p:presentation xmlns:a="http://schemas.openxmlformats.org/drawingml/2006/main" xmlns:r="http://schemas.openxmlformats.org/officeDocument/2006/relationships" xmlns:p="http://schemas.openxmlformats.org/presentationml/2006/main" saveSubsetFonts="1">
   <p:sldMasterIdLst>
-    <p:sldMasterId id="2147483672" r:id="rId1"/>
+    <p:sldMasterId id="2147483696" r:id="rId1"/>
   </p:sldMasterIdLst>
   <p:sldIdLst>
     <p:sldId id="260" r:id="rId2"/>
   </p:sldIdLst>
-  <p:sldSz cx="6408738" cy="9072563"/>
-  <p:notesSz cx="6858000" cy="9144000"/>
+  <p:sldSz cx="5327650" cy="7559675"/>
+  <p:notesSz cx="4870450" cy="7104063"/>
   <p:defaultTextStyle>
     <a:defPPr>
       <a:defRPr lang="en-US"/>
@@ -141,15 +141,15 @@
         </p:nvSpPr>
         <p:spPr>
           <a:xfrm>
-            <a:off x="480656" y="1484793"/>
-            <a:ext cx="5447427" cy="3158596"/>
+            <a:off x="399574" y="1237197"/>
+            <a:ext cx="4528503" cy="2631887"/>
           </a:xfrm>
         </p:spPr>
         <p:txBody>
           <a:bodyPr anchor="b"/>
           <a:lstStyle>
             <a:lvl1pPr algn="ctr">
-              <a:defRPr sz="4205"/>
+              <a:defRPr sz="3496"/>
             </a:lvl1pPr>
           </a:lstStyle>
           <a:p>
@@ -173,8 +173,8 @@
         </p:nvSpPr>
         <p:spPr>
           <a:xfrm>
-            <a:off x="801092" y="4765197"/>
-            <a:ext cx="4806554" cy="2190435"/>
+            <a:off x="665956" y="3970580"/>
+            <a:ext cx="3995738" cy="1825171"/>
           </a:xfrm>
         </p:spPr>
         <p:txBody>
@@ -182,39 +182,39 @@
           <a:lstStyle>
             <a:lvl1pPr marL="0" indent="0" algn="ctr">
               <a:buNone/>
-              <a:defRPr sz="1682"/>
+              <a:defRPr sz="1398"/>
             </a:lvl1pPr>
-            <a:lvl2pPr marL="320451" indent="0" algn="ctr">
-              <a:buNone/>
-              <a:defRPr sz="1402"/>
+            <a:lvl2pPr marL="266365" indent="0" algn="ctr">
+              <a:buNone/>
+              <a:defRPr sz="1165"/>
             </a:lvl2pPr>
-            <a:lvl3pPr marL="640903" indent="0" algn="ctr">
-              <a:buNone/>
-              <a:defRPr sz="1262"/>
+            <a:lvl3pPr marL="532729" indent="0" algn="ctr">
+              <a:buNone/>
+              <a:defRPr sz="1049"/>
             </a:lvl3pPr>
-            <a:lvl4pPr marL="961354" indent="0" algn="ctr">
-              <a:buNone/>
-              <a:defRPr sz="1121"/>
+            <a:lvl4pPr marL="799094" indent="0" algn="ctr">
+              <a:buNone/>
+              <a:defRPr sz="932"/>
             </a:lvl4pPr>
-            <a:lvl5pPr marL="1281806" indent="0" algn="ctr">
-              <a:buNone/>
-              <a:defRPr sz="1121"/>
+            <a:lvl5pPr marL="1065459" indent="0" algn="ctr">
+              <a:buNone/>
+              <a:defRPr sz="932"/>
             </a:lvl5pPr>
-            <a:lvl6pPr marL="1602257" indent="0" algn="ctr">
-              <a:buNone/>
-              <a:defRPr sz="1121"/>
+            <a:lvl6pPr marL="1331824" indent="0" algn="ctr">
+              <a:buNone/>
+              <a:defRPr sz="932"/>
             </a:lvl6pPr>
-            <a:lvl7pPr marL="1922709" indent="0" algn="ctr">
-              <a:buNone/>
-              <a:defRPr sz="1121"/>
+            <a:lvl7pPr marL="1598188" indent="0" algn="ctr">
+              <a:buNone/>
+              <a:defRPr sz="932"/>
             </a:lvl7pPr>
-            <a:lvl8pPr marL="2243160" indent="0" algn="ctr">
-              <a:buNone/>
-              <a:defRPr sz="1121"/>
+            <a:lvl8pPr marL="1864553" indent="0" algn="ctr">
+              <a:buNone/>
+              <a:defRPr sz="932"/>
             </a:lvl8pPr>
-            <a:lvl9pPr marL="2563612" indent="0" algn="ctr">
-              <a:buNone/>
-              <a:defRPr sz="1121"/>
+            <a:lvl9pPr marL="2130918" indent="0" algn="ctr">
+              <a:buNone/>
+              <a:defRPr sz="932"/>
             </a:lvl9pPr>
           </a:lstStyle>
           <a:p>
@@ -294,7 +294,7 @@
     </p:spTree>
     <p:extLst>
       <p:ext uri="{BB962C8B-B14F-4D97-AF65-F5344CB8AC3E}">
-        <p14:creationId xmlns:p14="http://schemas.microsoft.com/office/powerpoint/2010/main" val="1313787995"/>
+        <p14:creationId xmlns:p14="http://schemas.microsoft.com/office/powerpoint/2010/main" val="336383697"/>
       </p:ext>
     </p:extLst>
   </p:cSld>
@@ -496,7 +496,7 @@
     </p:spTree>
     <p:extLst>
       <p:ext uri="{BB962C8B-B14F-4D97-AF65-F5344CB8AC3E}">
-        <p14:creationId xmlns:p14="http://schemas.microsoft.com/office/powerpoint/2010/main" val="1187647709"/>
+        <p14:creationId xmlns:p14="http://schemas.microsoft.com/office/powerpoint/2010/main" val="1898819527"/>
       </p:ext>
     </p:extLst>
   </p:cSld>
@@ -535,8 +535,8 @@
         </p:nvSpPr>
         <p:spPr>
           <a:xfrm>
-            <a:off x="4586254" y="483030"/>
-            <a:ext cx="1381884" cy="7688578"/>
+            <a:off x="3812600" y="402483"/>
+            <a:ext cx="1148775" cy="6406475"/>
           </a:xfrm>
         </p:spPr>
         <p:txBody>
@@ -563,8 +563,8 @@
         </p:nvSpPr>
         <p:spPr>
           <a:xfrm>
-            <a:off x="440601" y="483030"/>
-            <a:ext cx="4065543" cy="7688578"/>
+            <a:off x="366276" y="402483"/>
+            <a:ext cx="3379728" cy="6406475"/>
           </a:xfrm>
         </p:spPr>
         <p:txBody>
@@ -708,7 +708,7 @@
     </p:spTree>
     <p:extLst>
       <p:ext uri="{BB962C8B-B14F-4D97-AF65-F5344CB8AC3E}">
-        <p14:creationId xmlns:p14="http://schemas.microsoft.com/office/powerpoint/2010/main" val="3848478493"/>
+        <p14:creationId xmlns:p14="http://schemas.microsoft.com/office/powerpoint/2010/main" val="907966081"/>
       </p:ext>
     </p:extLst>
   </p:cSld>
@@ -910,7 +910,7 @@
     </p:spTree>
     <p:extLst>
       <p:ext uri="{BB962C8B-B14F-4D97-AF65-F5344CB8AC3E}">
-        <p14:creationId xmlns:p14="http://schemas.microsoft.com/office/powerpoint/2010/main" val="3813421281"/>
+        <p14:creationId xmlns:p14="http://schemas.microsoft.com/office/powerpoint/2010/main" val="3688920609"/>
       </p:ext>
     </p:extLst>
   </p:cSld>
@@ -949,15 +949,15 @@
         </p:nvSpPr>
         <p:spPr>
           <a:xfrm>
-            <a:off x="437263" y="2261843"/>
-            <a:ext cx="5527537" cy="3773934"/>
+            <a:off x="363501" y="1884671"/>
+            <a:ext cx="4595098" cy="3144614"/>
           </a:xfrm>
         </p:spPr>
         <p:txBody>
           <a:bodyPr anchor="b"/>
           <a:lstStyle>
             <a:lvl1pPr>
-              <a:defRPr sz="4205"/>
+              <a:defRPr sz="3496"/>
             </a:lvl1pPr>
           </a:lstStyle>
           <a:p>
@@ -981,8 +981,8 @@
         </p:nvSpPr>
         <p:spPr>
           <a:xfrm>
-            <a:off x="437263" y="6071480"/>
-            <a:ext cx="5527537" cy="1984622"/>
+            <a:off x="363501" y="5059035"/>
+            <a:ext cx="4595098" cy="1653678"/>
           </a:xfrm>
         </p:spPr>
         <p:txBody>
@@ -990,15 +990,15 @@
           <a:lstStyle>
             <a:lvl1pPr marL="0" indent="0">
               <a:buNone/>
-              <a:defRPr sz="1682">
+              <a:defRPr sz="1398">
                 <a:solidFill>
                   <a:schemeClr val="tx1"/>
                 </a:solidFill>
               </a:defRPr>
             </a:lvl1pPr>
-            <a:lvl2pPr marL="320451" indent="0">
-              <a:buNone/>
-              <a:defRPr sz="1402">
+            <a:lvl2pPr marL="266365" indent="0">
+              <a:buNone/>
+              <a:defRPr sz="1165">
                 <a:solidFill>
                   <a:schemeClr val="tx1">
                     <a:tint val="75000"/>
@@ -1006,9 +1006,9 @@
                 </a:solidFill>
               </a:defRPr>
             </a:lvl2pPr>
-            <a:lvl3pPr marL="640903" indent="0">
-              <a:buNone/>
-              <a:defRPr sz="1262">
+            <a:lvl3pPr marL="532729" indent="0">
+              <a:buNone/>
+              <a:defRPr sz="1049">
                 <a:solidFill>
                   <a:schemeClr val="tx1">
                     <a:tint val="75000"/>
@@ -1016,9 +1016,9 @@
                 </a:solidFill>
               </a:defRPr>
             </a:lvl3pPr>
-            <a:lvl4pPr marL="961354" indent="0">
-              <a:buNone/>
-              <a:defRPr sz="1121">
+            <a:lvl4pPr marL="799094" indent="0">
+              <a:buNone/>
+              <a:defRPr sz="932">
                 <a:solidFill>
                   <a:schemeClr val="tx1">
                     <a:tint val="75000"/>
@@ -1026,9 +1026,9 @@
                 </a:solidFill>
               </a:defRPr>
             </a:lvl4pPr>
-            <a:lvl5pPr marL="1281806" indent="0">
-              <a:buNone/>
-              <a:defRPr sz="1121">
+            <a:lvl5pPr marL="1065459" indent="0">
+              <a:buNone/>
+              <a:defRPr sz="932">
                 <a:solidFill>
                   <a:schemeClr val="tx1">
                     <a:tint val="75000"/>
@@ -1036,9 +1036,9 @@
                 </a:solidFill>
               </a:defRPr>
             </a:lvl5pPr>
-            <a:lvl6pPr marL="1602257" indent="0">
-              <a:buNone/>
-              <a:defRPr sz="1121">
+            <a:lvl6pPr marL="1331824" indent="0">
+              <a:buNone/>
+              <a:defRPr sz="932">
                 <a:solidFill>
                   <a:schemeClr val="tx1">
                     <a:tint val="75000"/>
@@ -1046,9 +1046,9 @@
                 </a:solidFill>
               </a:defRPr>
             </a:lvl6pPr>
-            <a:lvl7pPr marL="1922709" indent="0">
-              <a:buNone/>
-              <a:defRPr sz="1121">
+            <a:lvl7pPr marL="1598188" indent="0">
+              <a:buNone/>
+              <a:defRPr sz="932">
                 <a:solidFill>
                   <a:schemeClr val="tx1">
                     <a:tint val="75000"/>
@@ -1056,9 +1056,9 @@
                 </a:solidFill>
               </a:defRPr>
             </a:lvl7pPr>
-            <a:lvl8pPr marL="2243160" indent="0">
-              <a:buNone/>
-              <a:defRPr sz="1121">
+            <a:lvl8pPr marL="1864553" indent="0">
+              <a:buNone/>
+              <a:defRPr sz="932">
                 <a:solidFill>
                   <a:schemeClr val="tx1">
                     <a:tint val="75000"/>
@@ -1066,9 +1066,9 @@
                 </a:solidFill>
               </a:defRPr>
             </a:lvl8pPr>
-            <a:lvl9pPr marL="2563612" indent="0">
-              <a:buNone/>
-              <a:defRPr sz="1121">
+            <a:lvl9pPr marL="2130918" indent="0">
+              <a:buNone/>
+              <a:defRPr sz="932">
                 <a:solidFill>
                   <a:schemeClr val="tx1">
                     <a:tint val="75000"/>
@@ -1154,7 +1154,7 @@
     </p:spTree>
     <p:extLst>
       <p:ext uri="{BB962C8B-B14F-4D97-AF65-F5344CB8AC3E}">
-        <p14:creationId xmlns:p14="http://schemas.microsoft.com/office/powerpoint/2010/main" val="1254826534"/>
+        <p14:creationId xmlns:p14="http://schemas.microsoft.com/office/powerpoint/2010/main" val="1878711099"/>
       </p:ext>
     </p:extLst>
   </p:cSld>
@@ -1216,8 +1216,8 @@
         </p:nvSpPr>
         <p:spPr>
           <a:xfrm>
-            <a:off x="440601" y="2415150"/>
-            <a:ext cx="2723714" cy="5756458"/>
+            <a:off x="366276" y="2012414"/>
+            <a:ext cx="2264251" cy="4796544"/>
           </a:xfrm>
         </p:spPr>
         <p:txBody>
@@ -1305,8 +1305,8 @@
         </p:nvSpPr>
         <p:spPr>
           <a:xfrm>
-            <a:off x="3244423" y="2415150"/>
-            <a:ext cx="2723714" cy="5756458"/>
+            <a:off x="2697123" y="2012414"/>
+            <a:ext cx="2264251" cy="4796544"/>
           </a:xfrm>
         </p:spPr>
         <p:txBody>
@@ -1450,7 +1450,7 @@
     </p:spTree>
     <p:extLst>
       <p:ext uri="{BB962C8B-B14F-4D97-AF65-F5344CB8AC3E}">
-        <p14:creationId xmlns:p14="http://schemas.microsoft.com/office/powerpoint/2010/main" val="3759225106"/>
+        <p14:creationId xmlns:p14="http://schemas.microsoft.com/office/powerpoint/2010/main" val="1221064632"/>
       </p:ext>
     </p:extLst>
   </p:cSld>
@@ -1489,8 +1489,8 @@
         </p:nvSpPr>
         <p:spPr>
           <a:xfrm>
-            <a:off x="441435" y="483032"/>
-            <a:ext cx="5527537" cy="1753609"/>
+            <a:off x="366970" y="402484"/>
+            <a:ext cx="4595098" cy="1461188"/>
           </a:xfrm>
         </p:spPr>
         <p:txBody>
@@ -1517,8 +1517,8 @@
         </p:nvSpPr>
         <p:spPr>
           <a:xfrm>
-            <a:off x="441436" y="2224039"/>
-            <a:ext cx="2711196" cy="1089967"/>
+            <a:off x="366971" y="1853171"/>
+            <a:ext cx="2253845" cy="908210"/>
           </a:xfrm>
         </p:spPr>
         <p:txBody>
@@ -1526,39 +1526,39 @@
           <a:lstStyle>
             <a:lvl1pPr marL="0" indent="0">
               <a:buNone/>
-              <a:defRPr sz="1682" b="1"/>
+              <a:defRPr sz="1398" b="1"/>
             </a:lvl1pPr>
-            <a:lvl2pPr marL="320451" indent="0">
-              <a:buNone/>
-              <a:defRPr sz="1402" b="1"/>
+            <a:lvl2pPr marL="266365" indent="0">
+              <a:buNone/>
+              <a:defRPr sz="1165" b="1"/>
             </a:lvl2pPr>
-            <a:lvl3pPr marL="640903" indent="0">
-              <a:buNone/>
-              <a:defRPr sz="1262" b="1"/>
+            <a:lvl3pPr marL="532729" indent="0">
+              <a:buNone/>
+              <a:defRPr sz="1049" b="1"/>
             </a:lvl3pPr>
-            <a:lvl4pPr marL="961354" indent="0">
-              <a:buNone/>
-              <a:defRPr sz="1121" b="1"/>
+            <a:lvl4pPr marL="799094" indent="0">
+              <a:buNone/>
+              <a:defRPr sz="932" b="1"/>
             </a:lvl4pPr>
-            <a:lvl5pPr marL="1281806" indent="0">
-              <a:buNone/>
-              <a:defRPr sz="1121" b="1"/>
+            <a:lvl5pPr marL="1065459" indent="0">
+              <a:buNone/>
+              <a:defRPr sz="932" b="1"/>
             </a:lvl5pPr>
-            <a:lvl6pPr marL="1602257" indent="0">
-              <a:buNone/>
-              <a:defRPr sz="1121" b="1"/>
+            <a:lvl6pPr marL="1331824" indent="0">
+              <a:buNone/>
+              <a:defRPr sz="932" b="1"/>
             </a:lvl6pPr>
-            <a:lvl7pPr marL="1922709" indent="0">
-              <a:buNone/>
-              <a:defRPr sz="1121" b="1"/>
+            <a:lvl7pPr marL="1598188" indent="0">
+              <a:buNone/>
+              <a:defRPr sz="932" b="1"/>
             </a:lvl7pPr>
-            <a:lvl8pPr marL="2243160" indent="0">
-              <a:buNone/>
-              <a:defRPr sz="1121" b="1"/>
+            <a:lvl8pPr marL="1864553" indent="0">
+              <a:buNone/>
+              <a:defRPr sz="932" b="1"/>
             </a:lvl8pPr>
-            <a:lvl9pPr marL="2563612" indent="0">
-              <a:buNone/>
-              <a:defRPr sz="1121" b="1"/>
+            <a:lvl9pPr marL="2130918" indent="0">
+              <a:buNone/>
+              <a:defRPr sz="932" b="1"/>
             </a:lvl9pPr>
           </a:lstStyle>
           <a:p>
@@ -1582,8 +1582,8 @@
         </p:nvSpPr>
         <p:spPr>
           <a:xfrm>
-            <a:off x="441436" y="3314006"/>
-            <a:ext cx="2711196" cy="4874403"/>
+            <a:off x="366971" y="2761381"/>
+            <a:ext cx="2253845" cy="4061576"/>
           </a:xfrm>
         </p:spPr>
         <p:txBody>
@@ -1671,8 +1671,8 @@
         </p:nvSpPr>
         <p:spPr>
           <a:xfrm>
-            <a:off x="3244424" y="2224039"/>
-            <a:ext cx="2724548" cy="1089967"/>
+            <a:off x="2697123" y="1853171"/>
+            <a:ext cx="2264945" cy="908210"/>
           </a:xfrm>
         </p:spPr>
         <p:txBody>
@@ -1680,39 +1680,39 @@
           <a:lstStyle>
             <a:lvl1pPr marL="0" indent="0">
               <a:buNone/>
-              <a:defRPr sz="1682" b="1"/>
+              <a:defRPr sz="1398" b="1"/>
             </a:lvl1pPr>
-            <a:lvl2pPr marL="320451" indent="0">
-              <a:buNone/>
-              <a:defRPr sz="1402" b="1"/>
+            <a:lvl2pPr marL="266365" indent="0">
+              <a:buNone/>
+              <a:defRPr sz="1165" b="1"/>
             </a:lvl2pPr>
-            <a:lvl3pPr marL="640903" indent="0">
-              <a:buNone/>
-              <a:defRPr sz="1262" b="1"/>
+            <a:lvl3pPr marL="532729" indent="0">
+              <a:buNone/>
+              <a:defRPr sz="1049" b="1"/>
             </a:lvl3pPr>
-            <a:lvl4pPr marL="961354" indent="0">
-              <a:buNone/>
-              <a:defRPr sz="1121" b="1"/>
+            <a:lvl4pPr marL="799094" indent="0">
+              <a:buNone/>
+              <a:defRPr sz="932" b="1"/>
             </a:lvl4pPr>
-            <a:lvl5pPr marL="1281806" indent="0">
-              <a:buNone/>
-              <a:defRPr sz="1121" b="1"/>
+            <a:lvl5pPr marL="1065459" indent="0">
+              <a:buNone/>
+              <a:defRPr sz="932" b="1"/>
             </a:lvl5pPr>
-            <a:lvl6pPr marL="1602257" indent="0">
-              <a:buNone/>
-              <a:defRPr sz="1121" b="1"/>
+            <a:lvl6pPr marL="1331824" indent="0">
+              <a:buNone/>
+              <a:defRPr sz="932" b="1"/>
             </a:lvl6pPr>
-            <a:lvl7pPr marL="1922709" indent="0">
-              <a:buNone/>
-              <a:defRPr sz="1121" b="1"/>
+            <a:lvl7pPr marL="1598188" indent="0">
+              <a:buNone/>
+              <a:defRPr sz="932" b="1"/>
             </a:lvl7pPr>
-            <a:lvl8pPr marL="2243160" indent="0">
-              <a:buNone/>
-              <a:defRPr sz="1121" b="1"/>
+            <a:lvl8pPr marL="1864553" indent="0">
+              <a:buNone/>
+              <a:defRPr sz="932" b="1"/>
             </a:lvl8pPr>
-            <a:lvl9pPr marL="2563612" indent="0">
-              <a:buNone/>
-              <a:defRPr sz="1121" b="1"/>
+            <a:lvl9pPr marL="2130918" indent="0">
+              <a:buNone/>
+              <a:defRPr sz="932" b="1"/>
             </a:lvl9pPr>
           </a:lstStyle>
           <a:p>
@@ -1736,8 +1736,8 @@
         </p:nvSpPr>
         <p:spPr>
           <a:xfrm>
-            <a:off x="3244424" y="3314006"/>
-            <a:ext cx="2724548" cy="4874403"/>
+            <a:off x="2697123" y="2761381"/>
+            <a:ext cx="2264945" cy="4061576"/>
           </a:xfrm>
         </p:spPr>
         <p:txBody>
@@ -1881,7 +1881,7 @@
     </p:spTree>
     <p:extLst>
       <p:ext uri="{BB962C8B-B14F-4D97-AF65-F5344CB8AC3E}">
-        <p14:creationId xmlns:p14="http://schemas.microsoft.com/office/powerpoint/2010/main" val="1899443235"/>
+        <p14:creationId xmlns:p14="http://schemas.microsoft.com/office/powerpoint/2010/main" val="1002524165"/>
       </p:ext>
     </p:extLst>
   </p:cSld>
@@ -1999,7 +1999,7 @@
     </p:spTree>
     <p:extLst>
       <p:ext uri="{BB962C8B-B14F-4D97-AF65-F5344CB8AC3E}">
-        <p14:creationId xmlns:p14="http://schemas.microsoft.com/office/powerpoint/2010/main" val="3325271002"/>
+        <p14:creationId xmlns:p14="http://schemas.microsoft.com/office/powerpoint/2010/main" val="1261078737"/>
       </p:ext>
     </p:extLst>
   </p:cSld>
@@ -2094,7 +2094,7 @@
     </p:spTree>
     <p:extLst>
       <p:ext uri="{BB962C8B-B14F-4D97-AF65-F5344CB8AC3E}">
-        <p14:creationId xmlns:p14="http://schemas.microsoft.com/office/powerpoint/2010/main" val="185688860"/>
+        <p14:creationId xmlns:p14="http://schemas.microsoft.com/office/powerpoint/2010/main" val="2261013160"/>
       </p:ext>
     </p:extLst>
   </p:cSld>
@@ -2133,15 +2133,15 @@
         </p:nvSpPr>
         <p:spPr>
           <a:xfrm>
-            <a:off x="441435" y="604838"/>
-            <a:ext cx="2066985" cy="2116931"/>
+            <a:off x="366970" y="503978"/>
+            <a:ext cx="1718306" cy="1763924"/>
           </a:xfrm>
         </p:spPr>
         <p:txBody>
           <a:bodyPr anchor="b"/>
           <a:lstStyle>
             <a:lvl1pPr>
-              <a:defRPr sz="2243"/>
+              <a:defRPr sz="1864"/>
             </a:lvl1pPr>
           </a:lstStyle>
           <a:p>
@@ -2165,39 +2165,39 @@
         </p:nvSpPr>
         <p:spPr>
           <a:xfrm>
-            <a:off x="2724548" y="1306283"/>
-            <a:ext cx="3244424" cy="6447400"/>
+            <a:off x="2264945" y="1088455"/>
+            <a:ext cx="2697123" cy="5372269"/>
           </a:xfrm>
         </p:spPr>
         <p:txBody>
           <a:bodyPr/>
           <a:lstStyle>
             <a:lvl1pPr>
-              <a:defRPr sz="2243"/>
+              <a:defRPr sz="1864"/>
             </a:lvl1pPr>
             <a:lvl2pPr>
-              <a:defRPr sz="1963"/>
+              <a:defRPr sz="1631"/>
             </a:lvl2pPr>
             <a:lvl3pPr>
-              <a:defRPr sz="1682"/>
+              <a:defRPr sz="1398"/>
             </a:lvl3pPr>
             <a:lvl4pPr>
-              <a:defRPr sz="1402"/>
+              <a:defRPr sz="1165"/>
             </a:lvl4pPr>
             <a:lvl5pPr>
-              <a:defRPr sz="1402"/>
+              <a:defRPr sz="1165"/>
             </a:lvl5pPr>
             <a:lvl6pPr>
-              <a:defRPr sz="1402"/>
+              <a:defRPr sz="1165"/>
             </a:lvl6pPr>
             <a:lvl7pPr>
-              <a:defRPr sz="1402"/>
+              <a:defRPr sz="1165"/>
             </a:lvl7pPr>
             <a:lvl8pPr>
-              <a:defRPr sz="1402"/>
+              <a:defRPr sz="1165"/>
             </a:lvl8pPr>
             <a:lvl9pPr>
-              <a:defRPr sz="1402"/>
+              <a:defRPr sz="1165"/>
             </a:lvl9pPr>
           </a:lstStyle>
           <a:p>
@@ -2282,8 +2282,8 @@
         </p:nvSpPr>
         <p:spPr>
           <a:xfrm>
-            <a:off x="441435" y="2721769"/>
-            <a:ext cx="2066985" cy="5042414"/>
+            <a:off x="366970" y="2267902"/>
+            <a:ext cx="1718306" cy="4201570"/>
           </a:xfrm>
         </p:spPr>
         <p:txBody>
@@ -2291,39 +2291,39 @@
           <a:lstStyle>
             <a:lvl1pPr marL="0" indent="0">
               <a:buNone/>
-              <a:defRPr sz="1121"/>
+              <a:defRPr sz="932"/>
             </a:lvl1pPr>
-            <a:lvl2pPr marL="320451" indent="0">
-              <a:buNone/>
-              <a:defRPr sz="981"/>
+            <a:lvl2pPr marL="266365" indent="0">
+              <a:buNone/>
+              <a:defRPr sz="816"/>
             </a:lvl2pPr>
-            <a:lvl3pPr marL="640903" indent="0">
-              <a:buNone/>
-              <a:defRPr sz="841"/>
+            <a:lvl3pPr marL="532729" indent="0">
+              <a:buNone/>
+              <a:defRPr sz="699"/>
             </a:lvl3pPr>
-            <a:lvl4pPr marL="961354" indent="0">
-              <a:buNone/>
-              <a:defRPr sz="701"/>
+            <a:lvl4pPr marL="799094" indent="0">
+              <a:buNone/>
+              <a:defRPr sz="583"/>
             </a:lvl4pPr>
-            <a:lvl5pPr marL="1281806" indent="0">
-              <a:buNone/>
-              <a:defRPr sz="701"/>
+            <a:lvl5pPr marL="1065459" indent="0">
+              <a:buNone/>
+              <a:defRPr sz="583"/>
             </a:lvl5pPr>
-            <a:lvl6pPr marL="1602257" indent="0">
-              <a:buNone/>
-              <a:defRPr sz="701"/>
+            <a:lvl6pPr marL="1331824" indent="0">
+              <a:buNone/>
+              <a:defRPr sz="583"/>
             </a:lvl6pPr>
-            <a:lvl7pPr marL="1922709" indent="0">
-              <a:buNone/>
-              <a:defRPr sz="701"/>
+            <a:lvl7pPr marL="1598188" indent="0">
+              <a:buNone/>
+              <a:defRPr sz="583"/>
             </a:lvl7pPr>
-            <a:lvl8pPr marL="2243160" indent="0">
-              <a:buNone/>
-              <a:defRPr sz="701"/>
+            <a:lvl8pPr marL="1864553" indent="0">
+              <a:buNone/>
+              <a:defRPr sz="583"/>
             </a:lvl8pPr>
-            <a:lvl9pPr marL="2563612" indent="0">
-              <a:buNone/>
-              <a:defRPr sz="701"/>
+            <a:lvl9pPr marL="2130918" indent="0">
+              <a:buNone/>
+              <a:defRPr sz="583"/>
             </a:lvl9pPr>
           </a:lstStyle>
           <a:p>
@@ -2403,7 +2403,7 @@
     </p:spTree>
     <p:extLst>
       <p:ext uri="{BB962C8B-B14F-4D97-AF65-F5344CB8AC3E}">
-        <p14:creationId xmlns:p14="http://schemas.microsoft.com/office/powerpoint/2010/main" val="215528120"/>
+        <p14:creationId xmlns:p14="http://schemas.microsoft.com/office/powerpoint/2010/main" val="2691983269"/>
       </p:ext>
     </p:extLst>
   </p:cSld>
@@ -2442,15 +2442,15 @@
         </p:nvSpPr>
         <p:spPr>
           <a:xfrm>
-            <a:off x="441435" y="604838"/>
-            <a:ext cx="2066985" cy="2116931"/>
+            <a:off x="366970" y="503978"/>
+            <a:ext cx="1718306" cy="1763924"/>
           </a:xfrm>
         </p:spPr>
         <p:txBody>
           <a:bodyPr anchor="b"/>
           <a:lstStyle>
             <a:lvl1pPr>
-              <a:defRPr sz="2243"/>
+              <a:defRPr sz="1864"/>
             </a:lvl1pPr>
           </a:lstStyle>
           <a:p>
@@ -2474,8 +2474,8 @@
         </p:nvSpPr>
         <p:spPr>
           <a:xfrm>
-            <a:off x="2724548" y="1306283"/>
-            <a:ext cx="3244424" cy="6447400"/>
+            <a:off x="2264945" y="1088455"/>
+            <a:ext cx="2697123" cy="5372269"/>
           </a:xfrm>
         </p:spPr>
         <p:txBody>
@@ -2483,39 +2483,39 @@
           <a:lstStyle>
             <a:lvl1pPr marL="0" indent="0">
               <a:buNone/>
-              <a:defRPr sz="2243"/>
+              <a:defRPr sz="1864"/>
             </a:lvl1pPr>
-            <a:lvl2pPr marL="320451" indent="0">
-              <a:buNone/>
-              <a:defRPr sz="1963"/>
+            <a:lvl2pPr marL="266365" indent="0">
+              <a:buNone/>
+              <a:defRPr sz="1631"/>
             </a:lvl2pPr>
-            <a:lvl3pPr marL="640903" indent="0">
-              <a:buNone/>
-              <a:defRPr sz="1682"/>
+            <a:lvl3pPr marL="532729" indent="0">
+              <a:buNone/>
+              <a:defRPr sz="1398"/>
             </a:lvl3pPr>
-            <a:lvl4pPr marL="961354" indent="0">
-              <a:buNone/>
-              <a:defRPr sz="1402"/>
+            <a:lvl4pPr marL="799094" indent="0">
+              <a:buNone/>
+              <a:defRPr sz="1165"/>
             </a:lvl4pPr>
-            <a:lvl5pPr marL="1281806" indent="0">
-              <a:buNone/>
-              <a:defRPr sz="1402"/>
+            <a:lvl5pPr marL="1065459" indent="0">
+              <a:buNone/>
+              <a:defRPr sz="1165"/>
             </a:lvl5pPr>
-            <a:lvl6pPr marL="1602257" indent="0">
-              <a:buNone/>
-              <a:defRPr sz="1402"/>
+            <a:lvl6pPr marL="1331824" indent="0">
+              <a:buNone/>
+              <a:defRPr sz="1165"/>
             </a:lvl6pPr>
-            <a:lvl7pPr marL="1922709" indent="0">
-              <a:buNone/>
-              <a:defRPr sz="1402"/>
+            <a:lvl7pPr marL="1598188" indent="0">
+              <a:buNone/>
+              <a:defRPr sz="1165"/>
             </a:lvl7pPr>
-            <a:lvl8pPr marL="2243160" indent="0">
-              <a:buNone/>
-              <a:defRPr sz="1402"/>
+            <a:lvl8pPr marL="1864553" indent="0">
+              <a:buNone/>
+              <a:defRPr sz="1165"/>
             </a:lvl8pPr>
-            <a:lvl9pPr marL="2563612" indent="0">
-              <a:buNone/>
-              <a:defRPr sz="1402"/>
+            <a:lvl9pPr marL="2130918" indent="0">
+              <a:buNone/>
+              <a:defRPr sz="1165"/>
             </a:lvl9pPr>
           </a:lstStyle>
           <a:p>
@@ -2539,8 +2539,8 @@
         </p:nvSpPr>
         <p:spPr>
           <a:xfrm>
-            <a:off x="441435" y="2721769"/>
-            <a:ext cx="2066985" cy="5042414"/>
+            <a:off x="366970" y="2267902"/>
+            <a:ext cx="1718306" cy="4201570"/>
           </a:xfrm>
         </p:spPr>
         <p:txBody>
@@ -2548,39 +2548,39 @@
           <a:lstStyle>
             <a:lvl1pPr marL="0" indent="0">
               <a:buNone/>
-              <a:defRPr sz="1121"/>
+              <a:defRPr sz="932"/>
             </a:lvl1pPr>
-            <a:lvl2pPr marL="320451" indent="0">
-              <a:buNone/>
-              <a:defRPr sz="981"/>
+            <a:lvl2pPr marL="266365" indent="0">
+              <a:buNone/>
+              <a:defRPr sz="816"/>
             </a:lvl2pPr>
-            <a:lvl3pPr marL="640903" indent="0">
-              <a:buNone/>
-              <a:defRPr sz="841"/>
+            <a:lvl3pPr marL="532729" indent="0">
+              <a:buNone/>
+              <a:defRPr sz="699"/>
             </a:lvl3pPr>
-            <a:lvl4pPr marL="961354" indent="0">
-              <a:buNone/>
-              <a:defRPr sz="701"/>
+            <a:lvl4pPr marL="799094" indent="0">
+              <a:buNone/>
+              <a:defRPr sz="583"/>
             </a:lvl4pPr>
-            <a:lvl5pPr marL="1281806" indent="0">
-              <a:buNone/>
-              <a:defRPr sz="701"/>
+            <a:lvl5pPr marL="1065459" indent="0">
+              <a:buNone/>
+              <a:defRPr sz="583"/>
             </a:lvl5pPr>
-            <a:lvl6pPr marL="1602257" indent="0">
-              <a:buNone/>
-              <a:defRPr sz="701"/>
+            <a:lvl6pPr marL="1331824" indent="0">
+              <a:buNone/>
+              <a:defRPr sz="583"/>
             </a:lvl6pPr>
-            <a:lvl7pPr marL="1922709" indent="0">
-              <a:buNone/>
-              <a:defRPr sz="701"/>
+            <a:lvl7pPr marL="1598188" indent="0">
+              <a:buNone/>
+              <a:defRPr sz="583"/>
             </a:lvl7pPr>
-            <a:lvl8pPr marL="2243160" indent="0">
-              <a:buNone/>
-              <a:defRPr sz="701"/>
+            <a:lvl8pPr marL="1864553" indent="0">
+              <a:buNone/>
+              <a:defRPr sz="583"/>
             </a:lvl8pPr>
-            <a:lvl9pPr marL="2563612" indent="0">
-              <a:buNone/>
-              <a:defRPr sz="701"/>
+            <a:lvl9pPr marL="2130918" indent="0">
+              <a:buNone/>
+              <a:defRPr sz="583"/>
             </a:lvl9pPr>
           </a:lstStyle>
           <a:p>
@@ -2660,7 +2660,7 @@
     </p:spTree>
     <p:extLst>
       <p:ext uri="{BB962C8B-B14F-4D97-AF65-F5344CB8AC3E}">
-        <p14:creationId xmlns:p14="http://schemas.microsoft.com/office/powerpoint/2010/main" val="4293330490"/>
+        <p14:creationId xmlns:p14="http://schemas.microsoft.com/office/powerpoint/2010/main" val="216437210"/>
       </p:ext>
     </p:extLst>
   </p:cSld>
@@ -2704,8 +2704,8 @@
         </p:nvSpPr>
         <p:spPr>
           <a:xfrm>
-            <a:off x="440601" y="483032"/>
-            <a:ext cx="5527537" cy="1753609"/>
+            <a:off x="366276" y="402484"/>
+            <a:ext cx="4595098" cy="1461188"/>
           </a:xfrm>
           <a:prstGeom prst="rect">
             <a:avLst/>
@@ -2737,8 +2737,8 @@
         </p:nvSpPr>
         <p:spPr>
           <a:xfrm>
-            <a:off x="440601" y="2415150"/>
-            <a:ext cx="5527537" cy="5756458"/>
+            <a:off x="366276" y="2012414"/>
+            <a:ext cx="4595098" cy="4796544"/>
           </a:xfrm>
           <a:prstGeom prst="rect">
             <a:avLst/>
@@ -2831,8 +2831,8 @@
         </p:nvSpPr>
         <p:spPr>
           <a:xfrm>
-            <a:off x="440601" y="8408924"/>
-            <a:ext cx="1441966" cy="483030"/>
+            <a:off x="366276" y="7006700"/>
+            <a:ext cx="1198721" cy="402483"/>
           </a:xfrm>
           <a:prstGeom prst="rect">
             <a:avLst/>
@@ -2842,7 +2842,7 @@
           <a:bodyPr vert="horz" lIns="91440" tIns="45720" rIns="91440" bIns="45720" rtlCol="0" anchor="ctr"/>
           <a:lstStyle>
             <a:lvl1pPr algn="l">
-              <a:defRPr sz="841">
+              <a:defRPr sz="699">
                 <a:solidFill>
                   <a:schemeClr val="tx1">
                     <a:tint val="75000"/>
@@ -2872,8 +2872,8 @@
         </p:nvSpPr>
         <p:spPr>
           <a:xfrm>
-            <a:off x="2122895" y="8408924"/>
-            <a:ext cx="2162949" cy="483030"/>
+            <a:off x="1764784" y="7006700"/>
+            <a:ext cx="1798082" cy="402483"/>
           </a:xfrm>
           <a:prstGeom prst="rect">
             <a:avLst/>
@@ -2883,7 +2883,7 @@
           <a:bodyPr vert="horz" lIns="91440" tIns="45720" rIns="91440" bIns="45720" rtlCol="0" anchor="ctr"/>
           <a:lstStyle>
             <a:lvl1pPr algn="ctr">
-              <a:defRPr sz="841">
+              <a:defRPr sz="699">
                 <a:solidFill>
                   <a:schemeClr val="tx1">
                     <a:tint val="75000"/>
@@ -2909,8 +2909,8 @@
         </p:nvSpPr>
         <p:spPr>
           <a:xfrm>
-            <a:off x="4526171" y="8408924"/>
-            <a:ext cx="1441966" cy="483030"/>
+            <a:off x="3762653" y="7006700"/>
+            <a:ext cx="1198721" cy="402483"/>
           </a:xfrm>
           <a:prstGeom prst="rect">
             <a:avLst/>
@@ -2920,7 +2920,7 @@
           <a:bodyPr vert="horz" lIns="91440" tIns="45720" rIns="91440" bIns="45720" rtlCol="0" anchor="ctr"/>
           <a:lstStyle>
             <a:lvl1pPr algn="r">
-              <a:defRPr sz="841">
+              <a:defRPr sz="699">
                 <a:solidFill>
                   <a:schemeClr val="tx1">
                     <a:tint val="75000"/>
@@ -2941,27 +2941,27 @@
     </p:spTree>
     <p:extLst>
       <p:ext uri="{BB962C8B-B14F-4D97-AF65-F5344CB8AC3E}">
-        <p14:creationId xmlns:p14="http://schemas.microsoft.com/office/powerpoint/2010/main" val="1434242577"/>
+        <p14:creationId xmlns:p14="http://schemas.microsoft.com/office/powerpoint/2010/main" val="3864612946"/>
       </p:ext>
     </p:extLst>
   </p:cSld>
   <p:clrMap bg1="lt1" tx1="dk1" bg2="lt2" tx2="dk2" accent1="accent1" accent2="accent2" accent3="accent3" accent4="accent4" accent5="accent5" accent6="accent6" hlink="hlink" folHlink="folHlink"/>
   <p:sldLayoutIdLst>
-    <p:sldLayoutId id="2147483673" r:id="rId1"/>
-    <p:sldLayoutId id="2147483674" r:id="rId2"/>
-    <p:sldLayoutId id="2147483675" r:id="rId3"/>
-    <p:sldLayoutId id="2147483676" r:id="rId4"/>
-    <p:sldLayoutId id="2147483677" r:id="rId5"/>
-    <p:sldLayoutId id="2147483678" r:id="rId6"/>
-    <p:sldLayoutId id="2147483679" r:id="rId7"/>
-    <p:sldLayoutId id="2147483680" r:id="rId8"/>
-    <p:sldLayoutId id="2147483681" r:id="rId9"/>
-    <p:sldLayoutId id="2147483682" r:id="rId10"/>
-    <p:sldLayoutId id="2147483683" r:id="rId11"/>
+    <p:sldLayoutId id="2147483697" r:id="rId1"/>
+    <p:sldLayoutId id="2147483698" r:id="rId2"/>
+    <p:sldLayoutId id="2147483699" r:id="rId3"/>
+    <p:sldLayoutId id="2147483700" r:id="rId4"/>
+    <p:sldLayoutId id="2147483701" r:id="rId5"/>
+    <p:sldLayoutId id="2147483702" r:id="rId6"/>
+    <p:sldLayoutId id="2147483703" r:id="rId7"/>
+    <p:sldLayoutId id="2147483704" r:id="rId8"/>
+    <p:sldLayoutId id="2147483705" r:id="rId9"/>
+    <p:sldLayoutId id="2147483706" r:id="rId10"/>
+    <p:sldLayoutId id="2147483707" r:id="rId11"/>
   </p:sldLayoutIdLst>
   <p:txStyles>
     <p:titleStyle>
-      <a:lvl1pPr algn="l" defTabSz="640903" rtl="0" eaLnBrk="1" latinLnBrk="0" hangingPunct="1">
+      <a:lvl1pPr algn="l" defTabSz="532729" rtl="0" eaLnBrk="1" latinLnBrk="0" hangingPunct="1">
         <a:lnSpc>
           <a:spcPct val="90000"/>
         </a:lnSpc>
@@ -2969,7 +2969,7 @@
           <a:spcPct val="0"/>
         </a:spcBef>
         <a:buNone/>
-        <a:defRPr kumimoji="1" sz="3084" kern="1200">
+        <a:defRPr kumimoji="1" sz="2563" kern="1200">
           <a:solidFill>
             <a:schemeClr val="tx1"/>
           </a:solidFill>
@@ -2980,16 +2980,16 @@
       </a:lvl1pPr>
     </p:titleStyle>
     <p:bodyStyle>
-      <a:lvl1pPr marL="160226" indent="-160226" algn="l" defTabSz="640903" rtl="0" eaLnBrk="1" latinLnBrk="0" hangingPunct="1">
+      <a:lvl1pPr marL="133182" indent="-133182" algn="l" defTabSz="532729" rtl="0" eaLnBrk="1" latinLnBrk="0" hangingPunct="1">
         <a:lnSpc>
           <a:spcPct val="90000"/>
         </a:lnSpc>
         <a:spcBef>
-          <a:spcPts val="701"/>
+          <a:spcPts val="583"/>
         </a:spcBef>
         <a:buFont typeface="Arial" panose="020B0604020202020204" pitchFamily="34" charset="0"/>
         <a:buChar char="•"/>
-        <a:defRPr kumimoji="1" sz="1963" kern="1200">
+        <a:defRPr kumimoji="1" sz="1631" kern="1200">
           <a:solidFill>
             <a:schemeClr val="tx1"/>
           </a:solidFill>
@@ -2998,16 +2998,16 @@
           <a:cs typeface="+mn-cs"/>
         </a:defRPr>
       </a:lvl1pPr>
-      <a:lvl2pPr marL="480677" indent="-160226" algn="l" defTabSz="640903" rtl="0" eaLnBrk="1" latinLnBrk="0" hangingPunct="1">
+      <a:lvl2pPr marL="399547" indent="-133182" algn="l" defTabSz="532729" rtl="0" eaLnBrk="1" latinLnBrk="0" hangingPunct="1">
         <a:lnSpc>
           <a:spcPct val="90000"/>
         </a:lnSpc>
         <a:spcBef>
-          <a:spcPts val="350"/>
+          <a:spcPts val="291"/>
         </a:spcBef>
         <a:buFont typeface="Arial" panose="020B0604020202020204" pitchFamily="34" charset="0"/>
         <a:buChar char="•"/>
-        <a:defRPr kumimoji="1" sz="1682" kern="1200">
+        <a:defRPr kumimoji="1" sz="1398" kern="1200">
           <a:solidFill>
             <a:schemeClr val="tx1"/>
           </a:solidFill>
@@ -3016,16 +3016,16 @@
           <a:cs typeface="+mn-cs"/>
         </a:defRPr>
       </a:lvl2pPr>
-      <a:lvl3pPr marL="801129" indent="-160226" algn="l" defTabSz="640903" rtl="0" eaLnBrk="1" latinLnBrk="0" hangingPunct="1">
+      <a:lvl3pPr marL="665912" indent="-133182" algn="l" defTabSz="532729" rtl="0" eaLnBrk="1" latinLnBrk="0" hangingPunct="1">
         <a:lnSpc>
           <a:spcPct val="90000"/>
         </a:lnSpc>
         <a:spcBef>
-          <a:spcPts val="350"/>
+          <a:spcPts val="291"/>
         </a:spcBef>
         <a:buFont typeface="Arial" panose="020B0604020202020204" pitchFamily="34" charset="0"/>
         <a:buChar char="•"/>
-        <a:defRPr kumimoji="1" sz="1402" kern="1200">
+        <a:defRPr kumimoji="1" sz="1165" kern="1200">
           <a:solidFill>
             <a:schemeClr val="tx1"/>
           </a:solidFill>
@@ -3034,16 +3034,16 @@
           <a:cs typeface="+mn-cs"/>
         </a:defRPr>
       </a:lvl3pPr>
-      <a:lvl4pPr marL="1121580" indent="-160226" algn="l" defTabSz="640903" rtl="0" eaLnBrk="1" latinLnBrk="0" hangingPunct="1">
+      <a:lvl4pPr marL="932277" indent="-133182" algn="l" defTabSz="532729" rtl="0" eaLnBrk="1" latinLnBrk="0" hangingPunct="1">
         <a:lnSpc>
           <a:spcPct val="90000"/>
         </a:lnSpc>
         <a:spcBef>
-          <a:spcPts val="350"/>
+          <a:spcPts val="291"/>
         </a:spcBef>
         <a:buFont typeface="Arial" panose="020B0604020202020204" pitchFamily="34" charset="0"/>
         <a:buChar char="•"/>
-        <a:defRPr kumimoji="1" sz="1262" kern="1200">
+        <a:defRPr kumimoji="1" sz="1049" kern="1200">
           <a:solidFill>
             <a:schemeClr val="tx1"/>
           </a:solidFill>
@@ -3052,16 +3052,16 @@
           <a:cs typeface="+mn-cs"/>
         </a:defRPr>
       </a:lvl4pPr>
-      <a:lvl5pPr marL="1442032" indent="-160226" algn="l" defTabSz="640903" rtl="0" eaLnBrk="1" latinLnBrk="0" hangingPunct="1">
+      <a:lvl5pPr marL="1198641" indent="-133182" algn="l" defTabSz="532729" rtl="0" eaLnBrk="1" latinLnBrk="0" hangingPunct="1">
         <a:lnSpc>
           <a:spcPct val="90000"/>
         </a:lnSpc>
         <a:spcBef>
-          <a:spcPts val="350"/>
+          <a:spcPts val="291"/>
         </a:spcBef>
         <a:buFont typeface="Arial" panose="020B0604020202020204" pitchFamily="34" charset="0"/>
         <a:buChar char="•"/>
-        <a:defRPr kumimoji="1" sz="1262" kern="1200">
+        <a:defRPr kumimoji="1" sz="1049" kern="1200">
           <a:solidFill>
             <a:schemeClr val="tx1"/>
           </a:solidFill>
@@ -3070,16 +3070,16 @@
           <a:cs typeface="+mn-cs"/>
         </a:defRPr>
       </a:lvl5pPr>
-      <a:lvl6pPr marL="1762483" indent="-160226" algn="l" defTabSz="640903" rtl="0" eaLnBrk="1" latinLnBrk="0" hangingPunct="1">
+      <a:lvl6pPr marL="1465006" indent="-133182" algn="l" defTabSz="532729" rtl="0" eaLnBrk="1" latinLnBrk="0" hangingPunct="1">
         <a:lnSpc>
           <a:spcPct val="90000"/>
         </a:lnSpc>
         <a:spcBef>
-          <a:spcPts val="350"/>
+          <a:spcPts val="291"/>
         </a:spcBef>
         <a:buFont typeface="Arial" panose="020B0604020202020204" pitchFamily="34" charset="0"/>
         <a:buChar char="•"/>
-        <a:defRPr kumimoji="1" sz="1262" kern="1200">
+        <a:defRPr kumimoji="1" sz="1049" kern="1200">
           <a:solidFill>
             <a:schemeClr val="tx1"/>
           </a:solidFill>
@@ -3088,16 +3088,16 @@
           <a:cs typeface="+mn-cs"/>
         </a:defRPr>
       </a:lvl6pPr>
-      <a:lvl7pPr marL="2082935" indent="-160226" algn="l" defTabSz="640903" rtl="0" eaLnBrk="1" latinLnBrk="0" hangingPunct="1">
+      <a:lvl7pPr marL="1731371" indent="-133182" algn="l" defTabSz="532729" rtl="0" eaLnBrk="1" latinLnBrk="0" hangingPunct="1">
         <a:lnSpc>
           <a:spcPct val="90000"/>
         </a:lnSpc>
         <a:spcBef>
-          <a:spcPts val="350"/>
+          <a:spcPts val="291"/>
         </a:spcBef>
         <a:buFont typeface="Arial" panose="020B0604020202020204" pitchFamily="34" charset="0"/>
         <a:buChar char="•"/>
-        <a:defRPr kumimoji="1" sz="1262" kern="1200">
+        <a:defRPr kumimoji="1" sz="1049" kern="1200">
           <a:solidFill>
             <a:schemeClr val="tx1"/>
           </a:solidFill>
@@ -3106,16 +3106,16 @@
           <a:cs typeface="+mn-cs"/>
         </a:defRPr>
       </a:lvl7pPr>
-      <a:lvl8pPr marL="2403386" indent="-160226" algn="l" defTabSz="640903" rtl="0" eaLnBrk="1" latinLnBrk="0" hangingPunct="1">
+      <a:lvl8pPr marL="1997735" indent="-133182" algn="l" defTabSz="532729" rtl="0" eaLnBrk="1" latinLnBrk="0" hangingPunct="1">
         <a:lnSpc>
           <a:spcPct val="90000"/>
         </a:lnSpc>
         <a:spcBef>
-          <a:spcPts val="350"/>
+          <a:spcPts val="291"/>
         </a:spcBef>
         <a:buFont typeface="Arial" panose="020B0604020202020204" pitchFamily="34" charset="0"/>
         <a:buChar char="•"/>
-        <a:defRPr kumimoji="1" sz="1262" kern="1200">
+        <a:defRPr kumimoji="1" sz="1049" kern="1200">
           <a:solidFill>
             <a:schemeClr val="tx1"/>
           </a:solidFill>
@@ -3124,16 +3124,16 @@
           <a:cs typeface="+mn-cs"/>
         </a:defRPr>
       </a:lvl8pPr>
-      <a:lvl9pPr marL="2723838" indent="-160226" algn="l" defTabSz="640903" rtl="0" eaLnBrk="1" latinLnBrk="0" hangingPunct="1">
+      <a:lvl9pPr marL="2264100" indent="-133182" algn="l" defTabSz="532729" rtl="0" eaLnBrk="1" latinLnBrk="0" hangingPunct="1">
         <a:lnSpc>
           <a:spcPct val="90000"/>
         </a:lnSpc>
         <a:spcBef>
-          <a:spcPts val="350"/>
+          <a:spcPts val="291"/>
         </a:spcBef>
         <a:buFont typeface="Arial" panose="020B0604020202020204" pitchFamily="34" charset="0"/>
         <a:buChar char="•"/>
-        <a:defRPr kumimoji="1" sz="1262" kern="1200">
+        <a:defRPr kumimoji="1" sz="1049" kern="1200">
           <a:solidFill>
             <a:schemeClr val="tx1"/>
           </a:solidFill>
@@ -3147,8 +3147,8 @@
       <a:defPPr>
         <a:defRPr lang="en-US"/>
       </a:defPPr>
-      <a:lvl1pPr marL="0" algn="l" defTabSz="640903" rtl="0" eaLnBrk="1" latinLnBrk="0" hangingPunct="1">
-        <a:defRPr kumimoji="1" sz="1262" kern="1200">
+      <a:lvl1pPr marL="0" algn="l" defTabSz="532729" rtl="0" eaLnBrk="1" latinLnBrk="0" hangingPunct="1">
+        <a:defRPr kumimoji="1" sz="1049" kern="1200">
           <a:solidFill>
             <a:schemeClr val="tx1"/>
           </a:solidFill>
@@ -3157,8 +3157,8 @@
           <a:cs typeface="+mn-cs"/>
         </a:defRPr>
       </a:lvl1pPr>
-      <a:lvl2pPr marL="320451" algn="l" defTabSz="640903" rtl="0" eaLnBrk="1" latinLnBrk="0" hangingPunct="1">
-        <a:defRPr kumimoji="1" sz="1262" kern="1200">
+      <a:lvl2pPr marL="266365" algn="l" defTabSz="532729" rtl="0" eaLnBrk="1" latinLnBrk="0" hangingPunct="1">
+        <a:defRPr kumimoji="1" sz="1049" kern="1200">
           <a:solidFill>
             <a:schemeClr val="tx1"/>
           </a:solidFill>
@@ -3167,8 +3167,8 @@
           <a:cs typeface="+mn-cs"/>
         </a:defRPr>
       </a:lvl2pPr>
-      <a:lvl3pPr marL="640903" algn="l" defTabSz="640903" rtl="0" eaLnBrk="1" latinLnBrk="0" hangingPunct="1">
-        <a:defRPr kumimoji="1" sz="1262" kern="1200">
+      <a:lvl3pPr marL="532729" algn="l" defTabSz="532729" rtl="0" eaLnBrk="1" latinLnBrk="0" hangingPunct="1">
+        <a:defRPr kumimoji="1" sz="1049" kern="1200">
           <a:solidFill>
             <a:schemeClr val="tx1"/>
           </a:solidFill>
@@ -3177,8 +3177,8 @@
           <a:cs typeface="+mn-cs"/>
         </a:defRPr>
       </a:lvl3pPr>
-      <a:lvl4pPr marL="961354" algn="l" defTabSz="640903" rtl="0" eaLnBrk="1" latinLnBrk="0" hangingPunct="1">
-        <a:defRPr kumimoji="1" sz="1262" kern="1200">
+      <a:lvl4pPr marL="799094" algn="l" defTabSz="532729" rtl="0" eaLnBrk="1" latinLnBrk="0" hangingPunct="1">
+        <a:defRPr kumimoji="1" sz="1049" kern="1200">
           <a:solidFill>
             <a:schemeClr val="tx1"/>
           </a:solidFill>
@@ -3187,8 +3187,8 @@
           <a:cs typeface="+mn-cs"/>
         </a:defRPr>
       </a:lvl4pPr>
-      <a:lvl5pPr marL="1281806" algn="l" defTabSz="640903" rtl="0" eaLnBrk="1" latinLnBrk="0" hangingPunct="1">
-        <a:defRPr kumimoji="1" sz="1262" kern="1200">
+      <a:lvl5pPr marL="1065459" algn="l" defTabSz="532729" rtl="0" eaLnBrk="1" latinLnBrk="0" hangingPunct="1">
+        <a:defRPr kumimoji="1" sz="1049" kern="1200">
           <a:solidFill>
             <a:schemeClr val="tx1"/>
           </a:solidFill>
@@ -3197,8 +3197,8 @@
           <a:cs typeface="+mn-cs"/>
         </a:defRPr>
       </a:lvl5pPr>
-      <a:lvl6pPr marL="1602257" algn="l" defTabSz="640903" rtl="0" eaLnBrk="1" latinLnBrk="0" hangingPunct="1">
-        <a:defRPr kumimoji="1" sz="1262" kern="1200">
+      <a:lvl6pPr marL="1331824" algn="l" defTabSz="532729" rtl="0" eaLnBrk="1" latinLnBrk="0" hangingPunct="1">
+        <a:defRPr kumimoji="1" sz="1049" kern="1200">
           <a:solidFill>
             <a:schemeClr val="tx1"/>
           </a:solidFill>
@@ -3207,8 +3207,8 @@
           <a:cs typeface="+mn-cs"/>
         </a:defRPr>
       </a:lvl6pPr>
-      <a:lvl7pPr marL="1922709" algn="l" defTabSz="640903" rtl="0" eaLnBrk="1" latinLnBrk="0" hangingPunct="1">
-        <a:defRPr kumimoji="1" sz="1262" kern="1200">
+      <a:lvl7pPr marL="1598188" algn="l" defTabSz="532729" rtl="0" eaLnBrk="1" latinLnBrk="0" hangingPunct="1">
+        <a:defRPr kumimoji="1" sz="1049" kern="1200">
           <a:solidFill>
             <a:schemeClr val="tx1"/>
           </a:solidFill>
@@ -3217,8 +3217,8 @@
           <a:cs typeface="+mn-cs"/>
         </a:defRPr>
       </a:lvl7pPr>
-      <a:lvl8pPr marL="2243160" algn="l" defTabSz="640903" rtl="0" eaLnBrk="1" latinLnBrk="0" hangingPunct="1">
-        <a:defRPr kumimoji="1" sz="1262" kern="1200">
+      <a:lvl8pPr marL="1864553" algn="l" defTabSz="532729" rtl="0" eaLnBrk="1" latinLnBrk="0" hangingPunct="1">
+        <a:defRPr kumimoji="1" sz="1049" kern="1200">
           <a:solidFill>
             <a:schemeClr val="tx1"/>
           </a:solidFill>
@@ -3227,8 +3227,8 @@
           <a:cs typeface="+mn-cs"/>
         </a:defRPr>
       </a:lvl8pPr>
-      <a:lvl9pPr marL="2563612" algn="l" defTabSz="640903" rtl="0" eaLnBrk="1" latinLnBrk="0" hangingPunct="1">
-        <a:defRPr kumimoji="1" sz="1262" kern="1200">
+      <a:lvl9pPr marL="2130918" algn="l" defTabSz="532729" rtl="0" eaLnBrk="1" latinLnBrk="0" hangingPunct="1">
+        <a:defRPr kumimoji="1" sz="1049" kern="1200">
           <a:solidFill>
             <a:schemeClr val="tx1"/>
           </a:solidFill>
@@ -3281,13 +3281,13 @@
               </a:ext>
             </a:extLst>
           </a:blip>
-          <a:srcRect l="23510" r="23511"/>
+          <a:srcRect l="23510" t="84" r="23511"/>
           <a:stretch/>
         </p:blipFill>
         <p:spPr>
           <a:xfrm>
-            <a:off x="0" y="-1"/>
-            <a:ext cx="6408738" cy="9072563"/>
+            <a:off x="-21336" y="-6302"/>
+            <a:ext cx="5348986" cy="7565978"/>
           </a:xfrm>
           <a:prstGeom prst="rect">
             <a:avLst/>
@@ -3308,20 +3308,20 @@
         </p:nvSpPr>
         <p:spPr>
           <a:xfrm>
-            <a:off x="304800" y="1485952"/>
-            <a:ext cx="5802924" cy="1472400"/>
+            <a:off x="257417" y="1248310"/>
+            <a:ext cx="4815959" cy="1221974"/>
           </a:xfrm>
           <a:prstGeom prst="rect">
             <a:avLst/>
           </a:prstGeom>
         </p:spPr>
         <p:txBody>
-          <a:bodyPr vert="horz" lIns="91440" tIns="45720" rIns="91440" bIns="45720" rtlCol="0" anchor="ctr">
+          <a:bodyPr vert="horz" lIns="75888" tIns="37944" rIns="75888" bIns="37944" rtlCol="0" anchor="ctr">
             <a:noAutofit/>
           </a:bodyPr>
           <a:lstStyle/>
           <a:p>
-            <a:pPr algn="ctr" defTabSz="685800">
+            <a:pPr algn="ctr" defTabSz="569175">
               <a:lnSpc>
                 <a:spcPct val="90000"/>
               </a:lnSpc>
@@ -3329,11 +3329,11 @@
                 <a:spcPct val="0"/>
               </a:spcBef>
               <a:spcAft>
-                <a:spcPts val="600"/>
+                <a:spcPts val="498"/>
               </a:spcAft>
             </a:pPr>
             <a:r>
-              <a:rPr kumimoji="1" lang="ja-JP" altLang="en-US" sz="4800" b="1" dirty="0">
+              <a:rPr kumimoji="1" lang="ja-JP" altLang="en-US" sz="4000" b="1" dirty="0">
                 <a:solidFill>
                   <a:schemeClr val="bg1"/>
                 </a:solidFill>
@@ -3343,7 +3343,7 @@
               <a:t>不均衡</a:t>
             </a:r>
             <a:r>
-              <a:rPr kumimoji="1" lang="ja-JP" altLang="en-US" sz="4800" dirty="0">
+              <a:rPr kumimoji="1" lang="ja-JP" altLang="en-US" sz="4000" dirty="0">
                 <a:solidFill>
                   <a:schemeClr val="bg1"/>
                 </a:solidFill>
@@ -3353,7 +3353,7 @@
               <a:t>な</a:t>
             </a:r>
             <a:r>
-              <a:rPr kumimoji="1" lang="ja-JP" altLang="en-US" sz="4800" b="1" dirty="0">
+              <a:rPr kumimoji="1" lang="ja-JP" altLang="en-US" sz="4000" b="1" dirty="0">
                 <a:solidFill>
                   <a:schemeClr val="bg1"/>
                 </a:solidFill>
@@ -3363,7 +3363,7 @@
               <a:t>二値分類</a:t>
             </a:r>
             <a:r>
-              <a:rPr kumimoji="1" lang="ja-JP" altLang="en-US" sz="4800" dirty="0">
+              <a:rPr kumimoji="1" lang="ja-JP" altLang="en-US" sz="4000" dirty="0">
                 <a:solidFill>
                   <a:schemeClr val="bg1"/>
                 </a:solidFill>
@@ -3372,7 +3372,7 @@
               </a:rPr>
               <a:t>を</a:t>
             </a:r>
-            <a:endParaRPr kumimoji="1" lang="en-US" altLang="ja-JP" sz="4800" dirty="0">
+            <a:endParaRPr kumimoji="1" lang="en-US" altLang="ja-JP" sz="4000" dirty="0">
               <a:solidFill>
                 <a:schemeClr val="bg1"/>
               </a:solidFill>
@@ -3381,7 +3381,7 @@
             </a:endParaRPr>
           </a:p>
           <a:p>
-            <a:pPr algn="ctr" defTabSz="685800">
+            <a:pPr algn="ctr" defTabSz="569175">
               <a:lnSpc>
                 <a:spcPct val="90000"/>
               </a:lnSpc>
@@ -3389,11 +3389,11 @@
                 <a:spcPct val="0"/>
               </a:spcBef>
               <a:spcAft>
-                <a:spcPts val="600"/>
+                <a:spcPts val="498"/>
               </a:spcAft>
             </a:pPr>
             <a:r>
-              <a:rPr kumimoji="1" lang="ja-JP" altLang="en-US" sz="4800" dirty="0">
+              <a:rPr kumimoji="1" lang="ja-JP" altLang="en-US" sz="4000" dirty="0">
                 <a:solidFill>
                   <a:schemeClr val="bg1"/>
                 </a:solidFill>
@@ -3402,7 +3402,7 @@
               </a:rPr>
               <a:t>読み解く本</a:t>
             </a:r>
-            <a:endParaRPr kumimoji="1" lang="en-US" altLang="ja-JP" sz="4800" dirty="0">
+            <a:endParaRPr kumimoji="1" lang="en-US" altLang="ja-JP" sz="4000" dirty="0">
               <a:solidFill>
                 <a:schemeClr val="bg1"/>
               </a:solidFill>
@@ -3426,8 +3426,8 @@
         </p:nvSpPr>
         <p:spPr>
           <a:xfrm>
-            <a:off x="4328070" y="5492237"/>
-            <a:ext cx="1779654" cy="523220"/>
+            <a:off x="3596406" y="4573203"/>
+            <a:ext cx="1547218" cy="461665"/>
           </a:xfrm>
           <a:prstGeom prst="rect">
             <a:avLst/>
@@ -3442,11 +3442,11 @@
           <a:p>
             <a:pPr>
               <a:spcAft>
-                <a:spcPts val="600"/>
+                <a:spcPts val="498"/>
               </a:spcAft>
             </a:pPr>
             <a:r>
-              <a:rPr kumimoji="1" lang="en-US" altLang="ja-JP" sz="2800" dirty="0">
+              <a:rPr kumimoji="1" lang="en-US" altLang="ja-JP" sz="2400" dirty="0">
                 <a:solidFill>
                   <a:schemeClr val="bg1"/>
                 </a:solidFill>
@@ -3455,7 +3455,7 @@
               <a:t>Rio114[</a:t>
             </a:r>
             <a:r>
-              <a:rPr kumimoji="1" lang="ja-JP" altLang="en-US" sz="2800" dirty="0">
+              <a:rPr kumimoji="1" lang="ja-JP" altLang="en-US" sz="2400" dirty="0">
                 <a:solidFill>
                   <a:schemeClr val="bg1"/>
                 </a:solidFill>
@@ -3464,7 +3464,7 @@
               <a:t>著</a:t>
             </a:r>
             <a:r>
-              <a:rPr kumimoji="1" lang="en-US" altLang="ja-JP" sz="2800" dirty="0">
+              <a:rPr kumimoji="1" lang="en-US" altLang="ja-JP" sz="2400" dirty="0">
                 <a:solidFill>
                   <a:schemeClr val="bg1"/>
                 </a:solidFill>
@@ -3472,7 +3472,7 @@
               </a:rPr>
               <a:t>]</a:t>
             </a:r>
-            <a:endParaRPr kumimoji="1" lang="ja-JP" altLang="en-US" sz="2800" dirty="0">
+            <a:endParaRPr kumimoji="1" lang="ja-JP" altLang="en-US" sz="2400" dirty="0">
               <a:solidFill>
                 <a:schemeClr val="bg1"/>
               </a:solidFill>
@@ -3495,8 +3495,8 @@
         </p:nvSpPr>
         <p:spPr>
           <a:xfrm>
-            <a:off x="902790" y="3494173"/>
-            <a:ext cx="4907959" cy="907941"/>
+            <a:off x="753701" y="2914973"/>
+            <a:ext cx="4073210" cy="767387"/>
           </a:xfrm>
           <a:prstGeom prst="rect">
             <a:avLst/>
@@ -3511,11 +3511,11 @@
           <a:p>
             <a:pPr algn="ctr">
               <a:spcAft>
-                <a:spcPts val="600"/>
+                <a:spcPts val="498"/>
               </a:spcAft>
             </a:pPr>
             <a:r>
-              <a:rPr kumimoji="1" lang="en-US" altLang="ja-JP" sz="2400" dirty="0">
+              <a:rPr kumimoji="1" lang="en-US" altLang="ja-JP" sz="2000" b="1" dirty="0">
                 <a:solidFill>
                   <a:schemeClr val="bg1"/>
                 </a:solidFill>
@@ -3523,7 +3523,7 @@
               <a:t>Recall</a:t>
             </a:r>
             <a:r>
-              <a:rPr kumimoji="1" lang="ja-JP" altLang="en-US" sz="2400" dirty="0">
+              <a:rPr kumimoji="1" lang="ja-JP" altLang="en-US" sz="2000" dirty="0">
                 <a:solidFill>
                   <a:schemeClr val="bg1"/>
                 </a:solidFill>
@@ -3531,7 +3531,7 @@
               <a:t>・</a:t>
             </a:r>
             <a:r>
-              <a:rPr kumimoji="1" lang="en-US" altLang="ja-JP" sz="2400" dirty="0">
+              <a:rPr kumimoji="1" lang="en-US" altLang="ja-JP" sz="2000" b="1" dirty="0">
                 <a:solidFill>
                   <a:schemeClr val="bg1"/>
                 </a:solidFill>
@@ -3539,14 +3539,14 @@
               <a:t>Precision</a:t>
             </a:r>
             <a:r>
-              <a:rPr kumimoji="1" lang="ja-JP" altLang="en-US" sz="2400" dirty="0">
+              <a:rPr kumimoji="1" lang="ja-JP" altLang="en-US" sz="2000" dirty="0">
                 <a:solidFill>
                   <a:schemeClr val="bg1"/>
                 </a:solidFill>
               </a:rPr>
               <a:t>の違いから</a:t>
             </a:r>
-            <a:endParaRPr kumimoji="1" lang="en-US" altLang="ja-JP" sz="2400" dirty="0">
+            <a:endParaRPr kumimoji="1" lang="en-US" altLang="ja-JP" sz="2000" dirty="0">
               <a:solidFill>
                 <a:schemeClr val="bg1"/>
               </a:solidFill>
@@ -3555,16 +3555,24 @@
           <a:p>
             <a:pPr algn="ctr">
               <a:spcAft>
-                <a:spcPts val="600"/>
+                <a:spcPts val="498"/>
               </a:spcAft>
             </a:pPr>
             <a:r>
-              <a:rPr kumimoji="1" lang="ja-JP" altLang="en-US" sz="2400" dirty="0">
+              <a:rPr kumimoji="1" lang="ja-JP" altLang="en-US" sz="2000" b="1" dirty="0">
                 <a:solidFill>
                   <a:schemeClr val="bg1"/>
                 </a:solidFill>
               </a:rPr>
-              <a:t>バンディットへの応用まで</a:t>
+              <a:t>バンディット</a:t>
+            </a:r>
+            <a:r>
+              <a:rPr kumimoji="1" lang="ja-JP" altLang="en-US" sz="2000" dirty="0">
+                <a:solidFill>
+                  <a:schemeClr val="bg1"/>
+                </a:solidFill>
+              </a:rPr>
+              <a:t>への応用まで</a:t>
             </a:r>
           </a:p>
         </p:txBody>

--- a/unbalance/images/表紙.pptx
+++ b/unbalance/images/表紙.pptx
@@ -6,6 +6,7 @@
   </p:sldMasterIdLst>
   <p:sldIdLst>
     <p:sldId id="260" r:id="rId2"/>
+    <p:sldId id="261" r:id="rId3"/>
   </p:sldIdLst>
   <p:sldSz cx="5327650" cy="7559675"/>
   <p:notesSz cx="4870450" cy="7104063"/>
@@ -3261,10 +3262,10 @@
       </p:grpSpPr>
       <p:pic>
         <p:nvPicPr>
-          <p:cNvPr id="7" name="図 6">
+          <p:cNvPr id="3" name="図 2">
             <a:extLst>
               <a:ext uri="{FF2B5EF4-FFF2-40B4-BE49-F238E27FC236}">
-                <a16:creationId xmlns:a16="http://schemas.microsoft.com/office/drawing/2014/main" id="{7BBDEDC4-AE4F-4613-8027-C80AF61800B3}"/>
+                <a16:creationId xmlns:a16="http://schemas.microsoft.com/office/drawing/2014/main" id="{BBF37D2C-5BFC-4DA9-A819-85B514E764B7}"/>
               </a:ext>
             </a:extLst>
           </p:cNvPr>
@@ -3281,7 +3282,355 @@
               </a:ext>
             </a:extLst>
           </a:blip>
-          <a:srcRect l="23510" t="84" r="23511"/>
+          <a:srcRect r="47144"/>
+          <a:stretch/>
+        </p:blipFill>
+        <p:spPr>
+          <a:xfrm>
+            <a:off x="-1" y="-1"/>
+            <a:ext cx="5327651" cy="7559675"/>
+          </a:xfrm>
+          <a:prstGeom prst="rect">
+            <a:avLst/>
+          </a:prstGeom>
+        </p:spPr>
+      </p:pic>
+      <p:sp>
+        <p:nvSpPr>
+          <p:cNvPr id="8" name="テキスト ボックス 7">
+            <a:extLst>
+              <a:ext uri="{FF2B5EF4-FFF2-40B4-BE49-F238E27FC236}">
+                <a16:creationId xmlns:a16="http://schemas.microsoft.com/office/drawing/2014/main" id="{73D1C0E0-E7BD-4BFC-AF70-2D22771963BE}"/>
+              </a:ext>
+            </a:extLst>
+          </p:cNvPr>
+          <p:cNvSpPr txBox="1"/>
+          <p:nvPr/>
+        </p:nvSpPr>
+        <p:spPr>
+          <a:xfrm>
+            <a:off x="257417" y="1248310"/>
+            <a:ext cx="4815959" cy="1221974"/>
+          </a:xfrm>
+          <a:prstGeom prst="rect">
+            <a:avLst/>
+          </a:prstGeom>
+        </p:spPr>
+        <p:txBody>
+          <a:bodyPr vert="horz" lIns="75888" tIns="37944" rIns="75888" bIns="37944" rtlCol="0" anchor="ctr">
+            <a:noAutofit/>
+          </a:bodyPr>
+          <a:lstStyle/>
+          <a:p>
+            <a:pPr algn="ctr" defTabSz="569175">
+              <a:lnSpc>
+                <a:spcPct val="90000"/>
+              </a:lnSpc>
+              <a:spcBef>
+                <a:spcPct val="0"/>
+              </a:spcBef>
+              <a:spcAft>
+                <a:spcPts val="498"/>
+              </a:spcAft>
+            </a:pPr>
+            <a:r>
+              <a:rPr kumimoji="1" lang="ja-JP" altLang="en-US" sz="4000" b="1" dirty="0">
+                <a:solidFill>
+                  <a:schemeClr val="bg1"/>
+                </a:solidFill>
+                <a:latin typeface="+mn-ea"/>
+                <a:cs typeface="+mj-cs"/>
+              </a:rPr>
+              <a:t>不均衡</a:t>
+            </a:r>
+            <a:r>
+              <a:rPr kumimoji="1" lang="ja-JP" altLang="en-US" sz="4000" dirty="0">
+                <a:solidFill>
+                  <a:schemeClr val="bg1"/>
+                </a:solidFill>
+                <a:latin typeface="+mn-ea"/>
+                <a:cs typeface="+mj-cs"/>
+              </a:rPr>
+              <a:t>な</a:t>
+            </a:r>
+            <a:r>
+              <a:rPr kumimoji="1" lang="ja-JP" altLang="en-US" sz="4000" b="1" dirty="0">
+                <a:solidFill>
+                  <a:schemeClr val="bg1"/>
+                </a:solidFill>
+                <a:latin typeface="+mn-ea"/>
+                <a:cs typeface="+mj-cs"/>
+              </a:rPr>
+              <a:t>二値分類</a:t>
+            </a:r>
+            <a:r>
+              <a:rPr kumimoji="1" lang="ja-JP" altLang="en-US" sz="4000" dirty="0">
+                <a:solidFill>
+                  <a:schemeClr val="bg1"/>
+                </a:solidFill>
+                <a:latin typeface="+mn-ea"/>
+                <a:cs typeface="+mj-cs"/>
+              </a:rPr>
+              <a:t>を</a:t>
+            </a:r>
+            <a:endParaRPr kumimoji="1" lang="en-US" altLang="ja-JP" sz="4000" dirty="0">
+              <a:solidFill>
+                <a:schemeClr val="bg1"/>
+              </a:solidFill>
+              <a:latin typeface="+mn-ea"/>
+              <a:cs typeface="+mj-cs"/>
+            </a:endParaRPr>
+          </a:p>
+          <a:p>
+            <a:pPr algn="ctr" defTabSz="569175">
+              <a:lnSpc>
+                <a:spcPct val="90000"/>
+              </a:lnSpc>
+              <a:spcBef>
+                <a:spcPct val="0"/>
+              </a:spcBef>
+              <a:spcAft>
+                <a:spcPts val="498"/>
+              </a:spcAft>
+            </a:pPr>
+            <a:r>
+              <a:rPr kumimoji="1" lang="ja-JP" altLang="en-US" sz="4000" dirty="0">
+                <a:solidFill>
+                  <a:schemeClr val="bg1"/>
+                </a:solidFill>
+                <a:latin typeface="+mn-ea"/>
+                <a:cs typeface="+mj-cs"/>
+              </a:rPr>
+              <a:t>読み解く本</a:t>
+            </a:r>
+            <a:endParaRPr kumimoji="1" lang="en-US" altLang="ja-JP" sz="4000" dirty="0">
+              <a:solidFill>
+                <a:schemeClr val="bg1"/>
+              </a:solidFill>
+              <a:latin typeface="+mn-ea"/>
+              <a:cs typeface="+mj-cs"/>
+            </a:endParaRPr>
+          </a:p>
+        </p:txBody>
+      </p:sp>
+      <p:sp>
+        <p:nvSpPr>
+          <p:cNvPr id="9" name="テキスト ボックス 8">
+            <a:extLst>
+              <a:ext uri="{FF2B5EF4-FFF2-40B4-BE49-F238E27FC236}">
+                <a16:creationId xmlns:a16="http://schemas.microsoft.com/office/drawing/2014/main" id="{0DEAB432-53E9-4CE9-A7A6-21AEB1ADB2DB}"/>
+              </a:ext>
+            </a:extLst>
+          </p:cNvPr>
+          <p:cNvSpPr txBox="1"/>
+          <p:nvPr/>
+        </p:nvSpPr>
+        <p:spPr>
+          <a:xfrm>
+            <a:off x="3596406" y="4573203"/>
+            <a:ext cx="1547218" cy="461665"/>
+          </a:xfrm>
+          <a:prstGeom prst="rect">
+            <a:avLst/>
+          </a:prstGeom>
+          <a:noFill/>
+        </p:spPr>
+        <p:txBody>
+          <a:bodyPr wrap="none" rtlCol="0">
+            <a:spAutoFit/>
+          </a:bodyPr>
+          <a:lstStyle/>
+          <a:p>
+            <a:pPr>
+              <a:spcAft>
+                <a:spcPts val="498"/>
+              </a:spcAft>
+            </a:pPr>
+            <a:r>
+              <a:rPr kumimoji="1" lang="en-US" altLang="ja-JP" sz="2400" dirty="0">
+                <a:solidFill>
+                  <a:schemeClr val="bg1"/>
+                </a:solidFill>
+                <a:cs typeface="Arial" panose="020B0604020202020204" pitchFamily="34" charset="0"/>
+              </a:rPr>
+              <a:t>Rio114[</a:t>
+            </a:r>
+            <a:r>
+              <a:rPr kumimoji="1" lang="ja-JP" altLang="en-US" sz="2400" dirty="0">
+                <a:solidFill>
+                  <a:schemeClr val="bg1"/>
+                </a:solidFill>
+                <a:cs typeface="Arial" panose="020B0604020202020204" pitchFamily="34" charset="0"/>
+              </a:rPr>
+              <a:t>著</a:t>
+            </a:r>
+            <a:r>
+              <a:rPr kumimoji="1" lang="en-US" altLang="ja-JP" sz="2400" dirty="0">
+                <a:solidFill>
+                  <a:schemeClr val="bg1"/>
+                </a:solidFill>
+                <a:cs typeface="Arial" panose="020B0604020202020204" pitchFamily="34" charset="0"/>
+              </a:rPr>
+              <a:t>]</a:t>
+            </a:r>
+            <a:endParaRPr kumimoji="1" lang="ja-JP" altLang="en-US" sz="2400" dirty="0">
+              <a:solidFill>
+                <a:schemeClr val="bg1"/>
+              </a:solidFill>
+              <a:cs typeface="Arial" panose="020B0604020202020204" pitchFamily="34" charset="0"/>
+            </a:endParaRPr>
+          </a:p>
+        </p:txBody>
+      </p:sp>
+      <p:sp>
+        <p:nvSpPr>
+          <p:cNvPr id="10" name="テキスト ボックス 9">
+            <a:extLst>
+              <a:ext uri="{FF2B5EF4-FFF2-40B4-BE49-F238E27FC236}">
+                <a16:creationId xmlns:a16="http://schemas.microsoft.com/office/drawing/2014/main" id="{FC48674F-951D-4125-9720-C763009DF5FB}"/>
+              </a:ext>
+            </a:extLst>
+          </p:cNvPr>
+          <p:cNvSpPr txBox="1"/>
+          <p:nvPr/>
+        </p:nvSpPr>
+        <p:spPr>
+          <a:xfrm>
+            <a:off x="753701" y="2914973"/>
+            <a:ext cx="4073210" cy="767387"/>
+          </a:xfrm>
+          <a:prstGeom prst="rect">
+            <a:avLst/>
+          </a:prstGeom>
+          <a:noFill/>
+        </p:spPr>
+        <p:txBody>
+          <a:bodyPr wrap="square" rtlCol="0">
+            <a:spAutoFit/>
+          </a:bodyPr>
+          <a:lstStyle/>
+          <a:p>
+            <a:pPr algn="ctr">
+              <a:spcAft>
+                <a:spcPts val="498"/>
+              </a:spcAft>
+            </a:pPr>
+            <a:r>
+              <a:rPr kumimoji="1" lang="en-US" altLang="ja-JP" sz="2000" b="1" dirty="0">
+                <a:solidFill>
+                  <a:schemeClr val="bg1"/>
+                </a:solidFill>
+              </a:rPr>
+              <a:t>Recall</a:t>
+            </a:r>
+            <a:r>
+              <a:rPr kumimoji="1" lang="ja-JP" altLang="en-US" sz="2000" dirty="0">
+                <a:solidFill>
+                  <a:schemeClr val="bg1"/>
+                </a:solidFill>
+              </a:rPr>
+              <a:t>・</a:t>
+            </a:r>
+            <a:r>
+              <a:rPr kumimoji="1" lang="en-US" altLang="ja-JP" sz="2000" b="1" dirty="0">
+                <a:solidFill>
+                  <a:schemeClr val="bg1"/>
+                </a:solidFill>
+              </a:rPr>
+              <a:t>Precision</a:t>
+            </a:r>
+            <a:r>
+              <a:rPr kumimoji="1" lang="ja-JP" altLang="en-US" sz="2000" dirty="0">
+                <a:solidFill>
+                  <a:schemeClr val="bg1"/>
+                </a:solidFill>
+              </a:rPr>
+              <a:t>の違いから</a:t>
+            </a:r>
+            <a:endParaRPr kumimoji="1" lang="en-US" altLang="ja-JP" sz="2000" dirty="0">
+              <a:solidFill>
+                <a:schemeClr val="bg1"/>
+              </a:solidFill>
+            </a:endParaRPr>
+          </a:p>
+          <a:p>
+            <a:pPr algn="ctr">
+              <a:spcAft>
+                <a:spcPts val="498"/>
+              </a:spcAft>
+            </a:pPr>
+            <a:r>
+              <a:rPr kumimoji="1" lang="ja-JP" altLang="en-US" sz="2000" b="1" dirty="0">
+                <a:solidFill>
+                  <a:schemeClr val="bg1"/>
+                </a:solidFill>
+              </a:rPr>
+              <a:t>バンディット</a:t>
+            </a:r>
+            <a:r>
+              <a:rPr kumimoji="1" lang="ja-JP" altLang="en-US" sz="2000" dirty="0">
+                <a:solidFill>
+                  <a:schemeClr val="bg1"/>
+                </a:solidFill>
+              </a:rPr>
+              <a:t>への応用まで</a:t>
+            </a:r>
+          </a:p>
+        </p:txBody>
+      </p:sp>
+    </p:spTree>
+    <p:extLst>
+      <p:ext uri="{BB962C8B-B14F-4D97-AF65-F5344CB8AC3E}">
+        <p14:creationId xmlns:p14="http://schemas.microsoft.com/office/powerpoint/2010/main" val="3520968768"/>
+      </p:ext>
+    </p:extLst>
+  </p:cSld>
+  <p:clrMapOvr>
+    <a:masterClrMapping/>
+  </p:clrMapOvr>
+</p:sld>
+</file>
+
+<file path=ppt/slides/slide2.xml><?xml version="1.0" encoding="utf-8"?>
+<p:sld xmlns:a="http://schemas.openxmlformats.org/drawingml/2006/main" xmlns:r="http://schemas.openxmlformats.org/officeDocument/2006/relationships" xmlns:p="http://schemas.openxmlformats.org/presentationml/2006/main">
+  <p:cSld>
+    <p:spTree>
+      <p:nvGrpSpPr>
+        <p:cNvPr id="1" name=""/>
+        <p:cNvGrpSpPr/>
+        <p:nvPr/>
+      </p:nvGrpSpPr>
+      <p:grpSpPr>
+        <a:xfrm>
+          <a:off x="0" y="0"/>
+          <a:ext cx="0" cy="0"/>
+          <a:chOff x="0" y="0"/>
+          <a:chExt cx="0" cy="0"/>
+        </a:xfrm>
+      </p:grpSpPr>
+      <p:pic>
+        <p:nvPicPr>
+          <p:cNvPr id="4" name="図 3">
+            <a:extLst>
+              <a:ext uri="{FF2B5EF4-FFF2-40B4-BE49-F238E27FC236}">
+                <a16:creationId xmlns:a16="http://schemas.microsoft.com/office/drawing/2014/main" id="{67C647D7-ADB1-480F-BF09-79402683C59C}"/>
+              </a:ext>
+            </a:extLst>
+          </p:cNvPr>
+          <p:cNvPicPr>
+            <a:picLocks noChangeAspect="1"/>
+          </p:cNvPicPr>
+          <p:nvPr/>
+        </p:nvPicPr>
+        <p:blipFill rotWithShape="1">
+          <a:blip r:embed="rId2">
+            <a:extLst>
+              <a:ext uri="{28A0092B-C50C-407E-A947-70E740481C1C}">
+                <a14:useLocalDpi xmlns:a14="http://schemas.microsoft.com/office/drawing/2010/main" val="0"/>
+              </a:ext>
+            </a:extLst>
+          </a:blip>
+          <a:srcRect l="47021" t="84"/>
           <a:stretch/>
         </p:blipFill>
         <p:spPr>
@@ -3294,293 +3643,10 @@
           </a:prstGeom>
         </p:spPr>
       </p:pic>
-      <p:sp>
-        <p:nvSpPr>
-          <p:cNvPr id="8" name="テキスト ボックス 7">
-            <a:extLst>
-              <a:ext uri="{FF2B5EF4-FFF2-40B4-BE49-F238E27FC236}">
-                <a16:creationId xmlns:a16="http://schemas.microsoft.com/office/drawing/2014/main" id="{73D1C0E0-E7BD-4BFC-AF70-2D22771963BE}"/>
-              </a:ext>
-            </a:extLst>
-          </p:cNvPr>
-          <p:cNvSpPr txBox="1"/>
-          <p:nvPr/>
-        </p:nvSpPr>
-        <p:spPr>
-          <a:xfrm>
-            <a:off x="257417" y="1248310"/>
-            <a:ext cx="4815959" cy="1221974"/>
-          </a:xfrm>
-          <a:prstGeom prst="rect">
-            <a:avLst/>
-          </a:prstGeom>
-        </p:spPr>
-        <p:txBody>
-          <a:bodyPr vert="horz" lIns="75888" tIns="37944" rIns="75888" bIns="37944" rtlCol="0" anchor="ctr">
-            <a:noAutofit/>
-          </a:bodyPr>
-          <a:lstStyle/>
-          <a:p>
-            <a:pPr algn="ctr" defTabSz="569175">
-              <a:lnSpc>
-                <a:spcPct val="90000"/>
-              </a:lnSpc>
-              <a:spcBef>
-                <a:spcPct val="0"/>
-              </a:spcBef>
-              <a:spcAft>
-                <a:spcPts val="498"/>
-              </a:spcAft>
-            </a:pPr>
-            <a:r>
-              <a:rPr kumimoji="1" lang="ja-JP" altLang="en-US" sz="4000" b="1" dirty="0">
-                <a:solidFill>
-                  <a:schemeClr val="bg1"/>
-                </a:solidFill>
-                <a:latin typeface="+mn-ea"/>
-                <a:cs typeface="+mj-cs"/>
-              </a:rPr>
-              <a:t>不均衡</a:t>
-            </a:r>
-            <a:r>
-              <a:rPr kumimoji="1" lang="ja-JP" altLang="en-US" sz="4000" dirty="0">
-                <a:solidFill>
-                  <a:schemeClr val="bg1"/>
-                </a:solidFill>
-                <a:latin typeface="+mn-ea"/>
-                <a:cs typeface="+mj-cs"/>
-              </a:rPr>
-              <a:t>な</a:t>
-            </a:r>
-            <a:r>
-              <a:rPr kumimoji="1" lang="ja-JP" altLang="en-US" sz="4000" b="1" dirty="0">
-                <a:solidFill>
-                  <a:schemeClr val="bg1"/>
-                </a:solidFill>
-                <a:latin typeface="+mn-ea"/>
-                <a:cs typeface="+mj-cs"/>
-              </a:rPr>
-              <a:t>二値分類</a:t>
-            </a:r>
-            <a:r>
-              <a:rPr kumimoji="1" lang="ja-JP" altLang="en-US" sz="4000" dirty="0">
-                <a:solidFill>
-                  <a:schemeClr val="bg1"/>
-                </a:solidFill>
-                <a:latin typeface="+mn-ea"/>
-                <a:cs typeface="+mj-cs"/>
-              </a:rPr>
-              <a:t>を</a:t>
-            </a:r>
-            <a:endParaRPr kumimoji="1" lang="en-US" altLang="ja-JP" sz="4000" dirty="0">
-              <a:solidFill>
-                <a:schemeClr val="bg1"/>
-              </a:solidFill>
-              <a:latin typeface="+mn-ea"/>
-              <a:cs typeface="+mj-cs"/>
-            </a:endParaRPr>
-          </a:p>
-          <a:p>
-            <a:pPr algn="ctr" defTabSz="569175">
-              <a:lnSpc>
-                <a:spcPct val="90000"/>
-              </a:lnSpc>
-              <a:spcBef>
-                <a:spcPct val="0"/>
-              </a:spcBef>
-              <a:spcAft>
-                <a:spcPts val="498"/>
-              </a:spcAft>
-            </a:pPr>
-            <a:r>
-              <a:rPr kumimoji="1" lang="ja-JP" altLang="en-US" sz="4000" dirty="0">
-                <a:solidFill>
-                  <a:schemeClr val="bg1"/>
-                </a:solidFill>
-                <a:latin typeface="+mn-ea"/>
-                <a:cs typeface="+mj-cs"/>
-              </a:rPr>
-              <a:t>読み解く本</a:t>
-            </a:r>
-            <a:endParaRPr kumimoji="1" lang="en-US" altLang="ja-JP" sz="4000" dirty="0">
-              <a:solidFill>
-                <a:schemeClr val="bg1"/>
-              </a:solidFill>
-              <a:latin typeface="+mn-ea"/>
-              <a:cs typeface="+mj-cs"/>
-            </a:endParaRPr>
-          </a:p>
-        </p:txBody>
-      </p:sp>
-      <p:sp>
-        <p:nvSpPr>
-          <p:cNvPr id="9" name="テキスト ボックス 8">
-            <a:extLst>
-              <a:ext uri="{FF2B5EF4-FFF2-40B4-BE49-F238E27FC236}">
-                <a16:creationId xmlns:a16="http://schemas.microsoft.com/office/drawing/2014/main" id="{0DEAB432-53E9-4CE9-A7A6-21AEB1ADB2DB}"/>
-              </a:ext>
-            </a:extLst>
-          </p:cNvPr>
-          <p:cNvSpPr txBox="1"/>
-          <p:nvPr/>
-        </p:nvSpPr>
-        <p:spPr>
-          <a:xfrm>
-            <a:off x="3596406" y="4573203"/>
-            <a:ext cx="1547218" cy="461665"/>
-          </a:xfrm>
-          <a:prstGeom prst="rect">
-            <a:avLst/>
-          </a:prstGeom>
-          <a:noFill/>
-        </p:spPr>
-        <p:txBody>
-          <a:bodyPr wrap="none" rtlCol="0">
-            <a:spAutoFit/>
-          </a:bodyPr>
-          <a:lstStyle/>
-          <a:p>
-            <a:pPr>
-              <a:spcAft>
-                <a:spcPts val="498"/>
-              </a:spcAft>
-            </a:pPr>
-            <a:r>
-              <a:rPr kumimoji="1" lang="en-US" altLang="ja-JP" sz="2400" dirty="0">
-                <a:solidFill>
-                  <a:schemeClr val="bg1"/>
-                </a:solidFill>
-                <a:cs typeface="Arial" panose="020B0604020202020204" pitchFamily="34" charset="0"/>
-              </a:rPr>
-              <a:t>Rio114[</a:t>
-            </a:r>
-            <a:r>
-              <a:rPr kumimoji="1" lang="ja-JP" altLang="en-US" sz="2400" dirty="0">
-                <a:solidFill>
-                  <a:schemeClr val="bg1"/>
-                </a:solidFill>
-                <a:cs typeface="Arial" panose="020B0604020202020204" pitchFamily="34" charset="0"/>
-              </a:rPr>
-              <a:t>著</a:t>
-            </a:r>
-            <a:r>
-              <a:rPr kumimoji="1" lang="en-US" altLang="ja-JP" sz="2400" dirty="0">
-                <a:solidFill>
-                  <a:schemeClr val="bg1"/>
-                </a:solidFill>
-                <a:cs typeface="Arial" panose="020B0604020202020204" pitchFamily="34" charset="0"/>
-              </a:rPr>
-              <a:t>]</a:t>
-            </a:r>
-            <a:endParaRPr kumimoji="1" lang="ja-JP" altLang="en-US" sz="2400" dirty="0">
-              <a:solidFill>
-                <a:schemeClr val="bg1"/>
-              </a:solidFill>
-              <a:cs typeface="Arial" panose="020B0604020202020204" pitchFamily="34" charset="0"/>
-            </a:endParaRPr>
-          </a:p>
-        </p:txBody>
-      </p:sp>
-      <p:sp>
-        <p:nvSpPr>
-          <p:cNvPr id="10" name="テキスト ボックス 9">
-            <a:extLst>
-              <a:ext uri="{FF2B5EF4-FFF2-40B4-BE49-F238E27FC236}">
-                <a16:creationId xmlns:a16="http://schemas.microsoft.com/office/drawing/2014/main" id="{FC48674F-951D-4125-9720-C763009DF5FB}"/>
-              </a:ext>
-            </a:extLst>
-          </p:cNvPr>
-          <p:cNvSpPr txBox="1"/>
-          <p:nvPr/>
-        </p:nvSpPr>
-        <p:spPr>
-          <a:xfrm>
-            <a:off x="753701" y="2914973"/>
-            <a:ext cx="4073210" cy="767387"/>
-          </a:xfrm>
-          <a:prstGeom prst="rect">
-            <a:avLst/>
-          </a:prstGeom>
-          <a:noFill/>
-        </p:spPr>
-        <p:txBody>
-          <a:bodyPr wrap="square" rtlCol="0">
-            <a:spAutoFit/>
-          </a:bodyPr>
-          <a:lstStyle/>
-          <a:p>
-            <a:pPr algn="ctr">
-              <a:spcAft>
-                <a:spcPts val="498"/>
-              </a:spcAft>
-            </a:pPr>
-            <a:r>
-              <a:rPr kumimoji="1" lang="en-US" altLang="ja-JP" sz="2000" b="1" dirty="0">
-                <a:solidFill>
-                  <a:schemeClr val="bg1"/>
-                </a:solidFill>
-              </a:rPr>
-              <a:t>Recall</a:t>
-            </a:r>
-            <a:r>
-              <a:rPr kumimoji="1" lang="ja-JP" altLang="en-US" sz="2000" dirty="0">
-                <a:solidFill>
-                  <a:schemeClr val="bg1"/>
-                </a:solidFill>
-              </a:rPr>
-              <a:t>・</a:t>
-            </a:r>
-            <a:r>
-              <a:rPr kumimoji="1" lang="en-US" altLang="ja-JP" sz="2000" b="1" dirty="0">
-                <a:solidFill>
-                  <a:schemeClr val="bg1"/>
-                </a:solidFill>
-              </a:rPr>
-              <a:t>Precision</a:t>
-            </a:r>
-            <a:r>
-              <a:rPr kumimoji="1" lang="ja-JP" altLang="en-US" sz="2000" dirty="0">
-                <a:solidFill>
-                  <a:schemeClr val="bg1"/>
-                </a:solidFill>
-              </a:rPr>
-              <a:t>の違いから</a:t>
-            </a:r>
-            <a:endParaRPr kumimoji="1" lang="en-US" altLang="ja-JP" sz="2000" dirty="0">
-              <a:solidFill>
-                <a:schemeClr val="bg1"/>
-              </a:solidFill>
-            </a:endParaRPr>
-          </a:p>
-          <a:p>
-            <a:pPr algn="ctr">
-              <a:spcAft>
-                <a:spcPts val="498"/>
-              </a:spcAft>
-            </a:pPr>
-            <a:r>
-              <a:rPr kumimoji="1" lang="ja-JP" altLang="en-US" sz="2000" b="1" dirty="0">
-                <a:solidFill>
-                  <a:schemeClr val="bg1"/>
-                </a:solidFill>
-              </a:rPr>
-              <a:t>バンディット</a:t>
-            </a:r>
-            <a:r>
-              <a:rPr kumimoji="1" lang="ja-JP" altLang="en-US" sz="2000" dirty="0">
-                <a:solidFill>
-                  <a:schemeClr val="bg1"/>
-                </a:solidFill>
-              </a:rPr>
-              <a:t>への応用まで</a:t>
-            </a:r>
-          </a:p>
-        </p:txBody>
-      </p:sp>
     </p:spTree>
     <p:extLst>
       <p:ext uri="{BB962C8B-B14F-4D97-AF65-F5344CB8AC3E}">
-        <p14:creationId xmlns:p14="http://schemas.microsoft.com/office/powerpoint/2010/main" val="3520968768"/>
+        <p14:creationId xmlns:p14="http://schemas.microsoft.com/office/powerpoint/2010/main" val="2219711348"/>
       </p:ext>
     </p:extLst>
   </p:cSld>
